--- a/docs/pitch-deck-dependency-trap.pptx
+++ b/docs/pitch-deck-dependency-trap.pptx
@@ -7,6 +7,7 @@
   <p:sldIdLst>
     <p:sldId id="256" r:id="rId7"/>
     <p:sldId id="257" r:id="rId8"/>
+    <p:sldId id="261" r:id="rId12"/>
     <p:sldId id="258" r:id="rId9"/>
     <p:sldId id="259" r:id="rId10"/>
     <p:sldId id="260" r:id="rId11"/>
@@ -5512,6 +5513,406 @@
               </a:rPr>
               <a:t>Next step:  2-week evaluation sprint.
 You bring models.  We bring the platform.</a:t>
+            </a:r>
+          </a:p>
+        </p:txBody>
+      </p:sp>
+    </p:spTree>
+  </p:cSld>
+  <p:clrMapOvr>
+    <a:masterClrMapping/>
+  </p:clrMapOvr>
+</p:sld>
+</file>
+
+<file path=ppt/slides/slide6.xml><?xml version="1.0" encoding="utf-8"?>
+<p:sld xmlns:a="http://schemas.openxmlformats.org/drawingml/2006/main" xmlns:p="http://schemas.openxmlformats.org/presentationml/2006/main" xmlns:r="http://schemas.openxmlformats.org/officeDocument/2006/relationships">
+  <p:cSld>
+    <p:bg>
+      <p:bgPr>
+        <a:solidFill>
+          <a:srgbClr val="2D2D2D"/>
+        </a:solidFill>
+        <a:effectLst/>
+      </p:bgPr>
+    </p:bg>
+    <p:spTree>
+      <p:nvGrpSpPr>
+        <p:cNvPr id="1" name=""/>
+        <p:cNvGrpSpPr/>
+        <p:nvPr/>
+      </p:nvGrpSpPr>
+      <p:grpSpPr/>
+      <p:sp>
+        <p:nvSpPr>
+          <p:cNvPr id="2" name="TextBox 1"/>
+          <p:cNvSpPr txBox="1"/>
+          <p:nvPr/>
+        </p:nvSpPr>
+        <p:spPr>
+          <a:xfrm>
+            <a:off x="914400" y="731520"/>
+            <a:ext cx="10058400" cy="914400"/>
+          </a:xfrm>
+          <a:prstGeom prst="rect">
+            <a:avLst/>
+          </a:prstGeom>
+          <a:noFill/>
+        </p:spPr>
+        <p:txBody>
+          <a:bodyPr wrap="square">
+            <a:spAutoFit/>
+          </a:bodyPr>
+          <a:lstStyle/>
+          <a:p>
+            <a:pPr algn="l"/>
+            <a:r>
+              <a:rPr sz="4400" b="1">
+                <a:solidFill>
+                  <a:srgbClr val="FFFFFF"/>
+                </a:solidFill>
+                <a:latin typeface="Calibri"/>
+              </a:rPr>
+              <a:t>YOU HAVE THREE OPTIONS</a:t>
+            </a:r>
+          </a:p>
+        </p:txBody>
+      </p:sp>
+      <p:sp>
+        <p:nvSpPr>
+          <p:cNvPr id="3" name="Rectangle 2"/>
+          <p:cNvSpPr/>
+          <p:nvPr/>
+        </p:nvSpPr>
+        <p:spPr>
+          <a:xfrm>
+            <a:off x="914400" y="1828800"/>
+            <a:ext cx="1828800" cy="38100"/>
+          </a:xfrm>
+          <a:prstGeom prst="rect">
+            <a:avLst/>
+          </a:prstGeom>
+          <a:solidFill>
+            <a:srgbClr val="E84D3D"/>
+          </a:solidFill>
+          <a:ln>
+            <a:noFill/>
+          </a:ln>
+        </p:spPr>
+        <p:style>
+          <a:lnRef idx="1">
+            <a:schemeClr val="accent1"/>
+          </a:lnRef>
+          <a:fillRef idx="3">
+            <a:schemeClr val="accent1"/>
+          </a:fillRef>
+          <a:effectRef idx="2">
+            <a:schemeClr val="accent1"/>
+          </a:effectRef>
+          <a:fontRef idx="minor">
+            <a:schemeClr val="lt1"/>
+          </a:fontRef>
+        </p:style>
+        <p:txBody>
+          <a:bodyPr rtlCol="0" anchor="ctr"/>
+          <a:lstStyle/>
+          <a:p>
+            <a:pPr algn="ctr"/>
+          </a:p>
+        </p:txBody>
+      </p:sp>
+      <p:sp>
+        <p:nvSpPr>
+          <p:cNvPr id="4" name="Rounded Rectangle 3"/>
+          <p:cNvSpPr/>
+          <p:nvPr/>
+        </p:nvSpPr>
+        <p:spPr>
+          <a:xfrm>
+            <a:off x="914400" y="2377440"/>
+            <a:ext cx="3017520" cy="2560320"/>
+          </a:xfrm>
+          <a:prstGeom prst="roundRect">
+            <a:avLst/>
+          </a:prstGeom>
+          <a:solidFill>
+            <a:srgbClr val="3A3A3A"/>
+          </a:solidFill>
+          <a:ln>
+            <a:noFill/>
+          </a:ln>
+        </p:spPr>
+        <p:style>
+          <a:lnRef idx="1">
+            <a:schemeClr val="accent1"/>
+          </a:lnRef>
+          <a:fillRef idx="3">
+            <a:schemeClr val="accent1"/>
+          </a:fillRef>
+          <a:effectRef idx="2">
+            <a:schemeClr val="accent1"/>
+          </a:effectRef>
+          <a:fontRef idx="minor">
+            <a:schemeClr val="lt1"/>
+          </a:fontRef>
+        </p:style>
+        <p:txBody>
+          <a:bodyPr rtlCol="0" anchor="ctr" wrap="square" lIns="228600" rIns="228600" tIns="228600" bIns="228600"/>
+          <a:lstStyle/>
+          <a:p>
+            <a:pPr algn="l"/>
+            <a:r>
+              <a:rPr sz="2800" b="1">
+                <a:solidFill>
+                  <a:srgbClr val="E84D3D"/>
+                </a:solidFill>
+                <a:latin typeface="Calibri"/>
+              </a:rPr>
+              <a:t>01</a:t>
+            </a:r>
+          </a:p>
+          <a:p>
+            <a:pPr algn="l">
+              <a:spcBef>
+                <a:spcPts val="1000"/>
+              </a:spcBef>
+            </a:pPr>
+            <a:r>
+              <a:rPr sz="2200" b="1">
+                <a:solidFill>
+                  <a:srgbClr val="FFFFFF"/>
+                </a:solidFill>
+                <a:latin typeface="Calibri"/>
+              </a:rPr>
+              <a:t>Wait for the roadmap</a:t>
+            </a:r>
+          </a:p>
+          <a:p>
+            <a:pPr algn="l">
+              <a:spcBef>
+                <a:spcPts val="1200"/>
+              </a:spcBef>
+            </a:pPr>
+            <a:r>
+              <a:rPr sz="1800" b="0">
+                <a:solidFill>
+                  <a:srgbClr val="CCCCCC"/>
+                </a:solidFill>
+                <a:latin typeface="Calibri"/>
+              </a:rPr>
+              <a:t>You ship when they ship. If they ship.</a:t>
+            </a:r>
+          </a:p>
+        </p:txBody>
+      </p:sp>
+      <p:sp>
+        <p:nvSpPr>
+          <p:cNvPr id="5" name="Rounded Rectangle 4"/>
+          <p:cNvSpPr/>
+          <p:nvPr/>
+        </p:nvSpPr>
+        <p:spPr>
+          <a:xfrm>
+            <a:off x="4389120" y="2377440"/>
+            <a:ext cx="3017520" cy="2560320"/>
+          </a:xfrm>
+          <a:prstGeom prst="roundRect">
+            <a:avLst/>
+          </a:prstGeom>
+          <a:solidFill>
+            <a:srgbClr val="3A3A3A"/>
+          </a:solidFill>
+          <a:ln>
+            <a:noFill/>
+          </a:ln>
+        </p:spPr>
+        <p:style>
+          <a:lnRef idx="1">
+            <a:schemeClr val="accent1"/>
+          </a:lnRef>
+          <a:fillRef idx="3">
+            <a:schemeClr val="accent1"/>
+          </a:fillRef>
+          <a:effectRef idx="2">
+            <a:schemeClr val="accent1"/>
+          </a:effectRef>
+          <a:fontRef idx="minor">
+            <a:schemeClr val="lt1"/>
+          </a:fontRef>
+        </p:style>
+        <p:txBody>
+          <a:bodyPr rtlCol="0" anchor="ctr" wrap="square" lIns="228600" rIns="228600" tIns="228600" bIns="228600"/>
+          <a:lstStyle/>
+          <a:p>
+            <a:pPr algn="l"/>
+            <a:r>
+              <a:rPr sz="2800" b="1">
+                <a:solidFill>
+                  <a:srgbClr val="E84D3D"/>
+                </a:solidFill>
+                <a:latin typeface="Calibri"/>
+              </a:rPr>
+              <a:t>02</a:t>
+            </a:r>
+          </a:p>
+          <a:p>
+            <a:pPr algn="l">
+              <a:spcBef>
+                <a:spcPts val="1000"/>
+              </a:spcBef>
+            </a:pPr>
+            <a:r>
+              <a:rPr sz="2200" b="1">
+                <a:solidFill>
+                  <a:srgbClr val="FFFFFF"/>
+                </a:solidFill>
+                <a:latin typeface="Calibri"/>
+              </a:rPr>
+              <a:t>Throw money at it</a:t>
+            </a:r>
+          </a:p>
+          <a:p>
+            <a:pPr algn="l">
+              <a:spcBef>
+                <a:spcPts val="1200"/>
+              </a:spcBef>
+            </a:pPr>
+            <a:r>
+              <a:rPr sz="1800" b="0">
+                <a:solidFill>
+                  <a:srgbClr val="CCCCCC"/>
+                </a:solidFill>
+                <a:latin typeface="Calibri"/>
+              </a:rPr>
+              <a:t>Overpay today, repeat next generation.</a:t>
+            </a:r>
+          </a:p>
+        </p:txBody>
+      </p:sp>
+      <p:sp>
+        <p:nvSpPr>
+          <p:cNvPr id="6" name="Rounded Rectangle 5"/>
+          <p:cNvSpPr/>
+          <p:nvPr/>
+        </p:nvSpPr>
+        <p:spPr>
+          <a:xfrm>
+            <a:off x="7863840" y="2377440"/>
+            <a:ext cx="3017520" cy="2560320"/>
+          </a:xfrm>
+          <a:prstGeom prst="roundRect">
+            <a:avLst/>
+          </a:prstGeom>
+          <a:solidFill>
+            <a:srgbClr val="2A4A2A"/>
+          </a:solidFill>
+          <a:ln>
+            <a:noFill/>
+          </a:ln>
+        </p:spPr>
+        <p:style>
+          <a:lnRef idx="1">
+            <a:schemeClr val="accent1"/>
+          </a:lnRef>
+          <a:fillRef idx="3">
+            <a:schemeClr val="accent1"/>
+          </a:fillRef>
+          <a:effectRef idx="2">
+            <a:schemeClr val="accent1"/>
+          </a:effectRef>
+          <a:fontRef idx="minor">
+            <a:schemeClr val="lt1"/>
+          </a:fontRef>
+        </p:style>
+        <p:txBody>
+          <a:bodyPr rtlCol="0" anchor="ctr" wrap="square" lIns="228600" rIns="228600" tIns="228600" bIns="228600"/>
+          <a:lstStyle/>
+          <a:p>
+            <a:pPr algn="l"/>
+            <a:r>
+              <a:rPr sz="2800" b="1">
+                <a:solidFill>
+                  <a:srgbClr val="3D9BE9"/>
+                </a:solidFill>
+                <a:latin typeface="Calibri"/>
+              </a:rPr>
+              <a:t>03</a:t>
+            </a:r>
+          </a:p>
+          <a:p>
+            <a:pPr algn="l">
+              <a:spcBef>
+                <a:spcPts val="1000"/>
+              </a:spcBef>
+            </a:pPr>
+            <a:r>
+              <a:rPr sz="2200" b="1">
+                <a:solidFill>
+                  <a:srgbClr val="FFFFFF"/>
+                </a:solidFill>
+                <a:latin typeface="Calibri"/>
+              </a:rPr>
+              <a:t>Design your own compute</a:t>
+            </a:r>
+          </a:p>
+          <a:p>
+            <a:pPr algn="l">
+              <a:spcBef>
+                <a:spcPts val="1200"/>
+              </a:spcBef>
+            </a:pPr>
+            <a:r>
+              <a:rPr sz="1800" b="0">
+                <a:solidFill>
+                  <a:srgbClr val="CCCCCC"/>
+                </a:solidFill>
+                <a:latin typeface="Calibri"/>
+              </a:rPr>
+              <a:t>Match silicon to mission, own the trajectory.</a:t>
+            </a:r>
+          </a:p>
+        </p:txBody>
+      </p:sp>
+      <p:sp>
+        <p:nvSpPr>
+          <p:cNvPr id="7" name="TextBox 6"/>
+          <p:cNvSpPr txBox="1"/>
+          <p:nvPr/>
+        </p:nvSpPr>
+        <p:spPr>
+          <a:xfrm>
+            <a:off x="914400" y="5394960"/>
+            <a:ext cx="10058400" cy="914400"/>
+          </a:xfrm>
+          <a:prstGeom prst="rect">
+            <a:avLst/>
+          </a:prstGeom>
+          <a:noFill/>
+        </p:spPr>
+        <p:txBody>
+          <a:bodyPr wrap="square">
+            <a:spAutoFit/>
+          </a:bodyPr>
+          <a:lstStyle/>
+          <a:p>
+            <a:pPr algn="l"/>
+            <a:r>
+              <a:rPr sz="2200" b="0">
+                <a:solidFill>
+                  <a:srgbClr val="888899"/>
+                </a:solidFill>
+                <a:latin typeface="Calibri"/>
+              </a:rPr>
+              <a:t>Option 3 used to take 50 engineers and 18 months.  </a:t>
+            </a:r>
+            <a:r>
+              <a:rPr sz="2200" b="1">
+                <a:solidFill>
+                  <a:srgbClr val="FFFFFF"/>
+                </a:solidFill>
+                <a:latin typeface="Calibri"/>
+              </a:rPr>
+              <a:t>It doesn't anymore.</a:t>
             </a:r>
           </a:p>
         </p:txBody>

--- a/docs/pitch-deck-dependency-trap.pptx
+++ b/docs/pitch-deck-dependency-trap.pptx
@@ -5,14 +5,14 @@
     <p:sldMasterId id="2147483648" r:id="rId1"/>
   </p:sldMasterIdLst>
   <p:sldIdLst>
-    <p:sldId id="256" r:id="rId7"/>
-    <p:sldId id="257" r:id="rId8"/>
-    <p:sldId id="261" r:id="rId12"/>
-    <p:sldId id="258" r:id="rId9"/>
-    <p:sldId id="259" r:id="rId10"/>
-    <p:sldId id="260" r:id="rId11"/>
+    <p:sldId id="256" r:id="rId2"/>
+    <p:sldId id="257" r:id="rId3"/>
+    <p:sldId id="261" r:id="rId4"/>
+    <p:sldId id="258" r:id="rId5"/>
+    <p:sldId id="259" r:id="rId6"/>
+    <p:sldId id="260" r:id="rId7"/>
   </p:sldIdLst>
-  <p:sldSz cx="12191695" cy="6858000" type="screen4x3"/>
+  <p:sldSz cx="12192000" cy="6858000"/>
   <p:notesSz cx="6858000" cy="9144000"/>
   <p:defaultTextStyle>
     <a:defPPr>
@@ -109,6 +109,22 @@
       </a:defRPr>
     </a:lvl9pPr>
   </p:defaultTextStyle>
+  <p:extLst>
+    <p:ext uri="{EFAFB233-063F-42B5-8137-9DF3F51BA10A}">
+      <p15:sldGuideLst xmlns:p15="http://schemas.microsoft.com/office/powerpoint/2012/main">
+        <p15:guide id="1" orient="horz" pos="2160">
+          <p15:clr>
+            <a:srgbClr val="A4A3A4"/>
+          </p15:clr>
+        </p15:guide>
+        <p15:guide id="2" pos="2880">
+          <p15:clr>
+            <a:srgbClr val="A4A3A4"/>
+          </p15:clr>
+        </p15:guide>
+      </p15:sldGuideLst>
+    </p:ext>
+  </p:extLst>
 </p:presentation>
 </file>
 
@@ -150,10 +166,9 @@
           <a:lstStyle/>
           <a:p>
             <a:r>
-              <a:rPr lang="en-US" smtClean="0"/>
+              <a:rPr lang="en-US"/>
               <a:t>Click to edit Master title style</a:t>
             </a:r>
-            <a:endParaRPr lang="en-US"/>
           </a:p>
         </p:txBody>
       </p:sp>
@@ -269,10 +284,9 @@
           </a:lstStyle>
           <a:p>
             <a:r>
-              <a:rPr lang="en-US" smtClean="0"/>
+              <a:rPr lang="en-US"/>
               <a:t>Click to edit Master subtitle style</a:t>
             </a:r>
-            <a:endParaRPr lang="en-US"/>
           </a:p>
         </p:txBody>
       </p:sp>
@@ -293,7 +307,7 @@
           <a:p>
             <a:fld id="{5BCAD085-E8A6-8845-BD4E-CB4CCA059FC4}" type="datetimeFigureOut">
               <a:rPr lang="en-US" smtClean="0"/>
-              <a:t>1/27/13</a:t>
+              <a:t>2/19/2026</a:t>
             </a:fld>
             <a:endParaRPr lang="en-US"/>
           </a:p>
@@ -387,10 +401,9 @@
           <a:lstStyle/>
           <a:p>
             <a:r>
-              <a:rPr lang="en-US" smtClean="0"/>
+              <a:rPr lang="en-US"/>
               <a:t>Click to edit Master title style</a:t>
             </a:r>
-            <a:endParaRPr lang="en-US"/>
           </a:p>
         </p:txBody>
       </p:sp>
@@ -411,38 +424,37 @@
           <a:p>
             <a:pPr lvl="0"/>
             <a:r>
-              <a:rPr lang="en-US" smtClean="0"/>
+              <a:rPr lang="en-US"/>
               <a:t>Click to edit Master text styles</a:t>
             </a:r>
           </a:p>
           <a:p>
             <a:pPr lvl="1"/>
             <a:r>
-              <a:rPr lang="en-US" smtClean="0"/>
+              <a:rPr lang="en-US"/>
               <a:t>Second level</a:t>
             </a:r>
           </a:p>
           <a:p>
             <a:pPr lvl="2"/>
             <a:r>
-              <a:rPr lang="en-US" smtClean="0"/>
+              <a:rPr lang="en-US"/>
               <a:t>Third level</a:t>
             </a:r>
           </a:p>
           <a:p>
             <a:pPr lvl="3"/>
             <a:r>
-              <a:rPr lang="en-US" smtClean="0"/>
+              <a:rPr lang="en-US"/>
               <a:t>Fourth level</a:t>
             </a:r>
           </a:p>
           <a:p>
             <a:pPr lvl="4"/>
             <a:r>
-              <a:rPr lang="en-US" smtClean="0"/>
+              <a:rPr lang="en-US"/>
               <a:t>Fifth level</a:t>
             </a:r>
-            <a:endParaRPr lang="en-US"/>
           </a:p>
         </p:txBody>
       </p:sp>
@@ -463,7 +475,7 @@
           <a:p>
             <a:fld id="{5BCAD085-E8A6-8845-BD4E-CB4CCA059FC4}" type="datetimeFigureOut">
               <a:rPr lang="en-US" smtClean="0"/>
-              <a:t>1/27/13</a:t>
+              <a:t>2/19/2026</a:t>
             </a:fld>
             <a:endParaRPr lang="en-US"/>
           </a:p>
@@ -562,10 +574,9 @@
           <a:lstStyle/>
           <a:p>
             <a:r>
-              <a:rPr lang="en-US" smtClean="0"/>
+              <a:rPr lang="en-US"/>
               <a:t>Click to edit Master title style</a:t>
             </a:r>
-            <a:endParaRPr lang="en-US"/>
           </a:p>
         </p:txBody>
       </p:sp>
@@ -591,38 +602,37 @@
           <a:p>
             <a:pPr lvl="0"/>
             <a:r>
-              <a:rPr lang="en-US" smtClean="0"/>
+              <a:rPr lang="en-US"/>
               <a:t>Click to edit Master text styles</a:t>
             </a:r>
           </a:p>
           <a:p>
             <a:pPr lvl="1"/>
             <a:r>
-              <a:rPr lang="en-US" smtClean="0"/>
+              <a:rPr lang="en-US"/>
               <a:t>Second level</a:t>
             </a:r>
           </a:p>
           <a:p>
             <a:pPr lvl="2"/>
             <a:r>
-              <a:rPr lang="en-US" smtClean="0"/>
+              <a:rPr lang="en-US"/>
               <a:t>Third level</a:t>
             </a:r>
           </a:p>
           <a:p>
             <a:pPr lvl="3"/>
             <a:r>
-              <a:rPr lang="en-US" smtClean="0"/>
+              <a:rPr lang="en-US"/>
               <a:t>Fourth level</a:t>
             </a:r>
           </a:p>
           <a:p>
             <a:pPr lvl="4"/>
             <a:r>
-              <a:rPr lang="en-US" smtClean="0"/>
+              <a:rPr lang="en-US"/>
               <a:t>Fifth level</a:t>
             </a:r>
-            <a:endParaRPr lang="en-US"/>
           </a:p>
         </p:txBody>
       </p:sp>
@@ -643,7 +653,7 @@
           <a:p>
             <a:fld id="{5BCAD085-E8A6-8845-BD4E-CB4CCA059FC4}" type="datetimeFigureOut">
               <a:rPr lang="en-US" smtClean="0"/>
-              <a:t>1/27/13</a:t>
+              <a:t>2/19/2026</a:t>
             </a:fld>
             <a:endParaRPr lang="en-US"/>
           </a:p>
@@ -737,10 +747,9 @@
           <a:lstStyle/>
           <a:p>
             <a:r>
-              <a:rPr lang="en-US" smtClean="0"/>
+              <a:rPr lang="en-US"/>
               <a:t>Click to edit Master title style</a:t>
             </a:r>
-            <a:endParaRPr lang="en-US"/>
           </a:p>
         </p:txBody>
       </p:sp>
@@ -761,38 +770,37 @@
           <a:p>
             <a:pPr lvl="0"/>
             <a:r>
-              <a:rPr lang="en-US" smtClean="0"/>
+              <a:rPr lang="en-US"/>
               <a:t>Click to edit Master text styles</a:t>
             </a:r>
           </a:p>
           <a:p>
             <a:pPr lvl="1"/>
             <a:r>
-              <a:rPr lang="en-US" smtClean="0"/>
+              <a:rPr lang="en-US"/>
               <a:t>Second level</a:t>
             </a:r>
           </a:p>
           <a:p>
             <a:pPr lvl="2"/>
             <a:r>
-              <a:rPr lang="en-US" smtClean="0"/>
+              <a:rPr lang="en-US"/>
               <a:t>Third level</a:t>
             </a:r>
           </a:p>
           <a:p>
             <a:pPr lvl="3"/>
             <a:r>
-              <a:rPr lang="en-US" smtClean="0"/>
+              <a:rPr lang="en-US"/>
               <a:t>Fourth level</a:t>
             </a:r>
           </a:p>
           <a:p>
             <a:pPr lvl="4"/>
             <a:r>
-              <a:rPr lang="en-US" smtClean="0"/>
+              <a:rPr lang="en-US"/>
               <a:t>Fifth level</a:t>
             </a:r>
-            <a:endParaRPr lang="en-US"/>
           </a:p>
         </p:txBody>
       </p:sp>
@@ -813,7 +821,7 @@
           <a:p>
             <a:fld id="{5BCAD085-E8A6-8845-BD4E-CB4CCA059FC4}" type="datetimeFigureOut">
               <a:rPr lang="en-US" smtClean="0"/>
-              <a:t>1/27/13</a:t>
+              <a:t>2/19/2026</a:t>
             </a:fld>
             <a:endParaRPr lang="en-US"/>
           </a:p>
@@ -916,10 +924,9 @@
           </a:lstStyle>
           <a:p>
             <a:r>
-              <a:rPr lang="en-US" smtClean="0"/>
+              <a:rPr lang="en-US"/>
               <a:t>Click to edit Master title style</a:t>
             </a:r>
-            <a:endParaRPr lang="en-US"/>
           </a:p>
         </p:txBody>
       </p:sp>
@@ -1036,7 +1043,7 @@
           <a:p>
             <a:pPr lvl="0"/>
             <a:r>
-              <a:rPr lang="en-US" smtClean="0"/>
+              <a:rPr lang="en-US"/>
               <a:t>Click to edit Master text styles</a:t>
             </a:r>
           </a:p>
@@ -1059,7 +1066,7 @@
           <a:p>
             <a:fld id="{5BCAD085-E8A6-8845-BD4E-CB4CCA059FC4}" type="datetimeFigureOut">
               <a:rPr lang="en-US" smtClean="0"/>
-              <a:t>1/27/13</a:t>
+              <a:t>2/19/2026</a:t>
             </a:fld>
             <a:endParaRPr lang="en-US"/>
           </a:p>
@@ -1153,10 +1160,9 @@
           <a:lstStyle/>
           <a:p>
             <a:r>
-              <a:rPr lang="en-US" smtClean="0"/>
+              <a:rPr lang="en-US"/>
               <a:t>Click to edit Master title style</a:t>
             </a:r>
-            <a:endParaRPr lang="en-US"/>
           </a:p>
         </p:txBody>
       </p:sp>
@@ -1210,38 +1216,37 @@
           <a:p>
             <a:pPr lvl="0"/>
             <a:r>
-              <a:rPr lang="en-US" smtClean="0"/>
+              <a:rPr lang="en-US"/>
               <a:t>Click to edit Master text styles</a:t>
             </a:r>
           </a:p>
           <a:p>
             <a:pPr lvl="1"/>
             <a:r>
-              <a:rPr lang="en-US" smtClean="0"/>
+              <a:rPr lang="en-US"/>
               <a:t>Second level</a:t>
             </a:r>
           </a:p>
           <a:p>
             <a:pPr lvl="2"/>
             <a:r>
-              <a:rPr lang="en-US" smtClean="0"/>
+              <a:rPr lang="en-US"/>
               <a:t>Third level</a:t>
             </a:r>
           </a:p>
           <a:p>
             <a:pPr lvl="3"/>
             <a:r>
-              <a:rPr lang="en-US" smtClean="0"/>
+              <a:rPr lang="en-US"/>
               <a:t>Fourth level</a:t>
             </a:r>
           </a:p>
           <a:p>
             <a:pPr lvl="4"/>
             <a:r>
-              <a:rPr lang="en-US" smtClean="0"/>
+              <a:rPr lang="en-US"/>
               <a:t>Fifth level</a:t>
             </a:r>
-            <a:endParaRPr lang="en-US"/>
           </a:p>
         </p:txBody>
       </p:sp>
@@ -1295,38 +1300,37 @@
           <a:p>
             <a:pPr lvl="0"/>
             <a:r>
-              <a:rPr lang="en-US" smtClean="0"/>
+              <a:rPr lang="en-US"/>
               <a:t>Click to edit Master text styles</a:t>
             </a:r>
           </a:p>
           <a:p>
             <a:pPr lvl="1"/>
             <a:r>
-              <a:rPr lang="en-US" smtClean="0"/>
+              <a:rPr lang="en-US"/>
               <a:t>Second level</a:t>
             </a:r>
           </a:p>
           <a:p>
             <a:pPr lvl="2"/>
             <a:r>
-              <a:rPr lang="en-US" smtClean="0"/>
+              <a:rPr lang="en-US"/>
               <a:t>Third level</a:t>
             </a:r>
           </a:p>
           <a:p>
             <a:pPr lvl="3"/>
             <a:r>
-              <a:rPr lang="en-US" smtClean="0"/>
+              <a:rPr lang="en-US"/>
               <a:t>Fourth level</a:t>
             </a:r>
           </a:p>
           <a:p>
             <a:pPr lvl="4"/>
             <a:r>
-              <a:rPr lang="en-US" smtClean="0"/>
+              <a:rPr lang="en-US"/>
               <a:t>Fifth level</a:t>
             </a:r>
-            <a:endParaRPr lang="en-US"/>
           </a:p>
         </p:txBody>
       </p:sp>
@@ -1347,7 +1351,7 @@
           <a:p>
             <a:fld id="{5BCAD085-E8A6-8845-BD4E-CB4CCA059FC4}" type="datetimeFigureOut">
               <a:rPr lang="en-US" smtClean="0"/>
-              <a:t>1/27/13</a:t>
+              <a:t>2/19/2026</a:t>
             </a:fld>
             <a:endParaRPr lang="en-US"/>
           </a:p>
@@ -1445,10 +1449,9 @@
           </a:lstStyle>
           <a:p>
             <a:r>
-              <a:rPr lang="en-US" smtClean="0"/>
+              <a:rPr lang="en-US"/>
               <a:t>Click to edit Master title style</a:t>
             </a:r>
-            <a:endParaRPr lang="en-US"/>
           </a:p>
         </p:txBody>
       </p:sp>
@@ -1511,7 +1514,7 @@
           <a:p>
             <a:pPr lvl="0"/>
             <a:r>
-              <a:rPr lang="en-US" smtClean="0"/>
+              <a:rPr lang="en-US"/>
               <a:t>Click to edit Master text styles</a:t>
             </a:r>
           </a:p>
@@ -1567,38 +1570,37 @@
           <a:p>
             <a:pPr lvl="0"/>
             <a:r>
-              <a:rPr lang="en-US" smtClean="0"/>
+              <a:rPr lang="en-US"/>
               <a:t>Click to edit Master text styles</a:t>
             </a:r>
           </a:p>
           <a:p>
             <a:pPr lvl="1"/>
             <a:r>
-              <a:rPr lang="en-US" smtClean="0"/>
+              <a:rPr lang="en-US"/>
               <a:t>Second level</a:t>
             </a:r>
           </a:p>
           <a:p>
             <a:pPr lvl="2"/>
             <a:r>
-              <a:rPr lang="en-US" smtClean="0"/>
+              <a:rPr lang="en-US"/>
               <a:t>Third level</a:t>
             </a:r>
           </a:p>
           <a:p>
             <a:pPr lvl="3"/>
             <a:r>
-              <a:rPr lang="en-US" smtClean="0"/>
+              <a:rPr lang="en-US"/>
               <a:t>Fourth level</a:t>
             </a:r>
           </a:p>
           <a:p>
             <a:pPr lvl="4"/>
             <a:r>
-              <a:rPr lang="en-US" smtClean="0"/>
+              <a:rPr lang="en-US"/>
               <a:t>Fifth level</a:t>
             </a:r>
-            <a:endParaRPr lang="en-US"/>
           </a:p>
         </p:txBody>
       </p:sp>
@@ -1661,7 +1663,7 @@
           <a:p>
             <a:pPr lvl="0"/>
             <a:r>
-              <a:rPr lang="en-US" smtClean="0"/>
+              <a:rPr lang="en-US"/>
               <a:t>Click to edit Master text styles</a:t>
             </a:r>
           </a:p>
@@ -1717,38 +1719,37 @@
           <a:p>
             <a:pPr lvl="0"/>
             <a:r>
-              <a:rPr lang="en-US" smtClean="0"/>
+              <a:rPr lang="en-US"/>
               <a:t>Click to edit Master text styles</a:t>
             </a:r>
           </a:p>
           <a:p>
             <a:pPr lvl="1"/>
             <a:r>
-              <a:rPr lang="en-US" smtClean="0"/>
+              <a:rPr lang="en-US"/>
               <a:t>Second level</a:t>
             </a:r>
           </a:p>
           <a:p>
             <a:pPr lvl="2"/>
             <a:r>
-              <a:rPr lang="en-US" smtClean="0"/>
+              <a:rPr lang="en-US"/>
               <a:t>Third level</a:t>
             </a:r>
           </a:p>
           <a:p>
             <a:pPr lvl="3"/>
             <a:r>
-              <a:rPr lang="en-US" smtClean="0"/>
+              <a:rPr lang="en-US"/>
               <a:t>Fourth level</a:t>
             </a:r>
           </a:p>
           <a:p>
             <a:pPr lvl="4"/>
             <a:r>
-              <a:rPr lang="en-US" smtClean="0"/>
+              <a:rPr lang="en-US"/>
               <a:t>Fifth level</a:t>
             </a:r>
-            <a:endParaRPr lang="en-US"/>
           </a:p>
         </p:txBody>
       </p:sp>
@@ -1769,7 +1770,7 @@
           <a:p>
             <a:fld id="{5BCAD085-E8A6-8845-BD4E-CB4CCA059FC4}" type="datetimeFigureOut">
               <a:rPr lang="en-US" smtClean="0"/>
-              <a:t>1/27/13</a:t>
+              <a:t>2/19/2026</a:t>
             </a:fld>
             <a:endParaRPr lang="en-US"/>
           </a:p>
@@ -1863,10 +1864,9 @@
           <a:lstStyle/>
           <a:p>
             <a:r>
-              <a:rPr lang="en-US" smtClean="0"/>
+              <a:rPr lang="en-US"/>
               <a:t>Click to edit Master title style</a:t>
             </a:r>
-            <a:endParaRPr lang="en-US"/>
           </a:p>
         </p:txBody>
       </p:sp>
@@ -1887,7 +1887,7 @@
           <a:p>
             <a:fld id="{5BCAD085-E8A6-8845-BD4E-CB4CCA059FC4}" type="datetimeFigureOut">
               <a:rPr lang="en-US" smtClean="0"/>
-              <a:t>1/27/13</a:t>
+              <a:t>2/19/2026</a:t>
             </a:fld>
             <a:endParaRPr lang="en-US"/>
           </a:p>
@@ -1982,7 +1982,7 @@
           <a:p>
             <a:fld id="{5BCAD085-E8A6-8845-BD4E-CB4CCA059FC4}" type="datetimeFigureOut">
               <a:rPr lang="en-US" smtClean="0"/>
-              <a:t>1/27/13</a:t>
+              <a:t>2/19/2026</a:t>
             </a:fld>
             <a:endParaRPr lang="en-US"/>
           </a:p>
@@ -2085,10 +2085,9 @@
           </a:lstStyle>
           <a:p>
             <a:r>
-              <a:rPr lang="en-US" smtClean="0"/>
+              <a:rPr lang="en-US"/>
               <a:t>Click to edit Master title style</a:t>
             </a:r>
-            <a:endParaRPr lang="en-US"/>
           </a:p>
         </p:txBody>
       </p:sp>
@@ -2142,38 +2141,37 @@
           <a:p>
             <a:pPr lvl="0"/>
             <a:r>
-              <a:rPr lang="en-US" smtClean="0"/>
+              <a:rPr lang="en-US"/>
               <a:t>Click to edit Master text styles</a:t>
             </a:r>
           </a:p>
           <a:p>
             <a:pPr lvl="1"/>
             <a:r>
-              <a:rPr lang="en-US" smtClean="0"/>
+              <a:rPr lang="en-US"/>
               <a:t>Second level</a:t>
             </a:r>
           </a:p>
           <a:p>
             <a:pPr lvl="2"/>
             <a:r>
-              <a:rPr lang="en-US" smtClean="0"/>
+              <a:rPr lang="en-US"/>
               <a:t>Third level</a:t>
             </a:r>
           </a:p>
           <a:p>
             <a:pPr lvl="3"/>
             <a:r>
-              <a:rPr lang="en-US" smtClean="0"/>
+              <a:rPr lang="en-US"/>
               <a:t>Fourth level</a:t>
             </a:r>
           </a:p>
           <a:p>
             <a:pPr lvl="4"/>
             <a:r>
-              <a:rPr lang="en-US" smtClean="0"/>
+              <a:rPr lang="en-US"/>
               <a:t>Fifth level</a:t>
             </a:r>
-            <a:endParaRPr lang="en-US"/>
           </a:p>
         </p:txBody>
       </p:sp>
@@ -2236,7 +2234,7 @@
           <a:p>
             <a:pPr lvl="0"/>
             <a:r>
-              <a:rPr lang="en-US" smtClean="0"/>
+              <a:rPr lang="en-US"/>
               <a:t>Click to edit Master text styles</a:t>
             </a:r>
           </a:p>
@@ -2259,7 +2257,7 @@
           <a:p>
             <a:fld id="{5BCAD085-E8A6-8845-BD4E-CB4CCA059FC4}" type="datetimeFigureOut">
               <a:rPr lang="en-US" smtClean="0"/>
-              <a:t>1/27/13</a:t>
+              <a:t>2/19/2026</a:t>
             </a:fld>
             <a:endParaRPr lang="en-US"/>
           </a:p>
@@ -2362,10 +2360,9 @@
           </a:lstStyle>
           <a:p>
             <a:r>
-              <a:rPr lang="en-US" smtClean="0"/>
+              <a:rPr lang="en-US"/>
               <a:t>Click to edit Master title style</a:t>
             </a:r>
-            <a:endParaRPr lang="en-US"/>
           </a:p>
         </p:txBody>
       </p:sp>
@@ -2489,7 +2486,7 @@
           <a:p>
             <a:pPr lvl="0"/>
             <a:r>
-              <a:rPr lang="en-US" smtClean="0"/>
+              <a:rPr lang="en-US"/>
               <a:t>Click to edit Master text styles</a:t>
             </a:r>
           </a:p>
@@ -2512,7 +2509,7 @@
           <a:p>
             <a:fld id="{5BCAD085-E8A6-8845-BD4E-CB4CCA059FC4}" type="datetimeFigureOut">
               <a:rPr lang="en-US" smtClean="0"/>
-              <a:t>1/27/13</a:t>
+              <a:t>2/19/2026</a:t>
             </a:fld>
             <a:endParaRPr lang="en-US"/>
           </a:p>
@@ -2621,10 +2618,9 @@
           <a:lstStyle/>
           <a:p>
             <a:r>
-              <a:rPr lang="en-US" smtClean="0"/>
+              <a:rPr lang="en-US"/>
               <a:t>Click to edit Master title style</a:t>
             </a:r>
-            <a:endParaRPr lang="en-US"/>
           </a:p>
         </p:txBody>
       </p:sp>
@@ -2655,38 +2651,37 @@
           <a:p>
             <a:pPr lvl="0"/>
             <a:r>
-              <a:rPr lang="en-US" smtClean="0"/>
+              <a:rPr lang="en-US"/>
               <a:t>Click to edit Master text styles</a:t>
             </a:r>
           </a:p>
           <a:p>
             <a:pPr lvl="1"/>
             <a:r>
-              <a:rPr lang="en-US" smtClean="0"/>
+              <a:rPr lang="en-US"/>
               <a:t>Second level</a:t>
             </a:r>
           </a:p>
           <a:p>
             <a:pPr lvl="2"/>
             <a:r>
-              <a:rPr lang="en-US" smtClean="0"/>
+              <a:rPr lang="en-US"/>
               <a:t>Third level</a:t>
             </a:r>
           </a:p>
           <a:p>
             <a:pPr lvl="3"/>
             <a:r>
-              <a:rPr lang="en-US" smtClean="0"/>
+              <a:rPr lang="en-US"/>
               <a:t>Fourth level</a:t>
             </a:r>
           </a:p>
           <a:p>
             <a:pPr lvl="4"/>
             <a:r>
-              <a:rPr lang="en-US" smtClean="0"/>
+              <a:rPr lang="en-US"/>
               <a:t>Fifth level</a:t>
             </a:r>
-            <a:endParaRPr lang="en-US"/>
           </a:p>
         </p:txBody>
       </p:sp>
@@ -2725,7 +2720,7 @@
           <a:p>
             <a:fld id="{5BCAD085-E8A6-8845-BD4E-CB4CCA059FC4}" type="datetimeFigureOut">
               <a:rPr lang="en-US" smtClean="0"/>
-              <a:t>1/27/13</a:t>
+              <a:t>2/19/2026</a:t>
             </a:fld>
             <a:endParaRPr lang="en-US"/>
           </a:p>
@@ -3084,7 +3079,7 @@
 </file>
 
 <file path=ppt/slides/slide1.xml><?xml version="1.0" encoding="utf-8"?>
-<p:sld xmlns:a="http://schemas.openxmlformats.org/drawingml/2006/main" xmlns:p="http://schemas.openxmlformats.org/presentationml/2006/main" xmlns:r="http://schemas.openxmlformats.org/officeDocument/2006/relationships">
+<p:sld xmlns:a="http://schemas.openxmlformats.org/drawingml/2006/main" xmlns:r="http://schemas.openxmlformats.org/officeDocument/2006/relationships" xmlns:p="http://schemas.openxmlformats.org/presentationml/2006/main">
   <p:cSld>
     <p:bg>
       <p:bgPr>
@@ -3100,7 +3095,14 @@
         <p:cNvGrpSpPr/>
         <p:nvPr/>
       </p:nvGrpSpPr>
-      <p:grpSpPr/>
+      <p:grpSpPr>
+        <a:xfrm>
+          <a:off x="0" y="0"/>
+          <a:ext cx="0" cy="0"/>
+          <a:chOff x="0" y="0"/>
+          <a:chExt cx="0" cy="0"/>
+        </a:xfrm>
+      </p:grpSpPr>
       <p:sp>
         <p:nvSpPr>
           <p:cNvPr id="2" name="TextBox 1"/>
@@ -3177,6 +3179,7 @@
           <a:lstStyle/>
           <a:p>
             <a:pPr algn="ctr"/>
+            <a:endParaRPr/>
           </a:p>
         </p:txBody>
       </p:sp>
@@ -3295,7 +3298,7 @@
 </file>
 
 <file path=ppt/slides/slide2.xml><?xml version="1.0" encoding="utf-8"?>
-<p:sld xmlns:a="http://schemas.openxmlformats.org/drawingml/2006/main" xmlns:p="http://schemas.openxmlformats.org/presentationml/2006/main" xmlns:r="http://schemas.openxmlformats.org/officeDocument/2006/relationships">
+<p:sld xmlns:a="http://schemas.openxmlformats.org/drawingml/2006/main" xmlns:r="http://schemas.openxmlformats.org/officeDocument/2006/relationships" xmlns:p="http://schemas.openxmlformats.org/presentationml/2006/main">
   <p:cSld>
     <p:bg>
       <p:bgPr>
@@ -3311,7 +3314,14 @@
         <p:cNvGrpSpPr/>
         <p:nvPr/>
       </p:nvGrpSpPr>
-      <p:grpSpPr/>
+      <p:grpSpPr>
+        <a:xfrm>
+          <a:off x="0" y="0"/>
+          <a:ext cx="0" cy="0"/>
+          <a:chOff x="0" y="0"/>
+          <a:chExt cx="0" cy="0"/>
+        </a:xfrm>
+      </p:grpSpPr>
       <p:sp>
         <p:nvSpPr>
           <p:cNvPr id="2" name="TextBox 1"/>
@@ -3387,6 +3397,7 @@
           <a:lstStyle/>
           <a:p>
             <a:pPr algn="ctr"/>
+            <a:endParaRPr/>
           </a:p>
         </p:txBody>
       </p:sp>
@@ -3720,7 +3731,7 @@
 </file>
 
 <file path=ppt/slides/slide3.xml><?xml version="1.0" encoding="utf-8"?>
-<p:sld xmlns:a="http://schemas.openxmlformats.org/drawingml/2006/main" xmlns:p="http://schemas.openxmlformats.org/presentationml/2006/main" xmlns:r="http://schemas.openxmlformats.org/officeDocument/2006/relationships">
+<p:sld xmlns:a="http://schemas.openxmlformats.org/drawingml/2006/main" xmlns:r="http://schemas.openxmlformats.org/officeDocument/2006/relationships" xmlns:p="http://schemas.openxmlformats.org/presentationml/2006/main">
   <p:cSld>
     <p:bg>
       <p:bgPr>
@@ -3736,7 +3747,14 @@
         <p:cNvGrpSpPr/>
         <p:nvPr/>
       </p:nvGrpSpPr>
-      <p:grpSpPr/>
+      <p:grpSpPr>
+        <a:xfrm>
+          <a:off x="0" y="0"/>
+          <a:ext cx="0" cy="0"/>
+          <a:chOff x="0" y="0"/>
+          <a:chExt cx="0" cy="0"/>
+        </a:xfrm>
+      </p:grpSpPr>
       <p:sp>
         <p:nvSpPr>
           <p:cNvPr id="2" name="TextBox 1"/>
@@ -3767,8 +3785,7 @@
                 </a:solidFill>
                 <a:latin typeface="Calibri"/>
               </a:rPr>
-              <a:t>DESCRIBE THE MISSION.
-GET THE SILICON.</a:t>
+              <a:t>YOU HAVE THREE OPTIONS</a:t>
             </a:r>
           </a:p>
         </p:txBody>
@@ -3781,7 +3798,7 @@
         </p:nvSpPr>
         <p:spPr>
           <a:xfrm>
-            <a:off x="914400" y="2377440"/>
+            <a:off x="914400" y="1828800"/>
             <a:ext cx="1828800" cy="38100"/>
           </a:xfrm>
           <a:prstGeom prst="rect">
@@ -3813,19 +3830,272 @@
           <a:lstStyle/>
           <a:p>
             <a:pPr algn="ctr"/>
-          </a:p>
-        </p:txBody>
-      </p:sp>
-      <p:sp>
-        <p:nvSpPr>
-          <p:cNvPr id="4" name="TextBox 3"/>
+            <a:endParaRPr/>
+          </a:p>
+        </p:txBody>
+      </p:sp>
+      <p:sp>
+        <p:nvSpPr>
+          <p:cNvPr id="4" name="Rounded Rectangle 3"/>
+          <p:cNvSpPr/>
+          <p:nvPr/>
+        </p:nvSpPr>
+        <p:spPr>
+          <a:xfrm>
+            <a:off x="914400" y="2377440"/>
+            <a:ext cx="3017520" cy="2560320"/>
+          </a:xfrm>
+          <a:prstGeom prst="roundRect">
+            <a:avLst/>
+          </a:prstGeom>
+          <a:solidFill>
+            <a:srgbClr val="3A3A3A"/>
+          </a:solidFill>
+          <a:ln>
+            <a:noFill/>
+          </a:ln>
+        </p:spPr>
+        <p:style>
+          <a:lnRef idx="1">
+            <a:schemeClr val="accent1"/>
+          </a:lnRef>
+          <a:fillRef idx="3">
+            <a:schemeClr val="accent1"/>
+          </a:fillRef>
+          <a:effectRef idx="2">
+            <a:schemeClr val="accent1"/>
+          </a:effectRef>
+          <a:fontRef idx="minor">
+            <a:schemeClr val="lt1"/>
+          </a:fontRef>
+        </p:style>
+        <p:txBody>
+          <a:bodyPr wrap="square" lIns="228600" tIns="228600" rIns="228600" bIns="228600" rtlCol="0" anchor="ctr"/>
+          <a:lstStyle/>
+          <a:p>
+            <a:pPr algn="l"/>
+            <a:r>
+              <a:rPr sz="2800" b="1">
+                <a:solidFill>
+                  <a:srgbClr val="E84D3D"/>
+                </a:solidFill>
+                <a:latin typeface="Calibri"/>
+              </a:rPr>
+              <a:t>01</a:t>
+            </a:r>
+          </a:p>
+          <a:p>
+            <a:pPr algn="l">
+              <a:spcBef>
+                <a:spcPts val="1000"/>
+              </a:spcBef>
+            </a:pPr>
+            <a:r>
+              <a:rPr sz="2200" b="1">
+                <a:solidFill>
+                  <a:srgbClr val="FFFFFF"/>
+                </a:solidFill>
+                <a:latin typeface="Calibri"/>
+              </a:rPr>
+              <a:t>Wait for the roadmap</a:t>
+            </a:r>
+          </a:p>
+          <a:p>
+            <a:pPr algn="l">
+              <a:spcBef>
+                <a:spcPts val="1200"/>
+              </a:spcBef>
+            </a:pPr>
+            <a:r>
+              <a:rPr sz="1800" b="0">
+                <a:solidFill>
+                  <a:srgbClr val="CCCCCC"/>
+                </a:solidFill>
+                <a:latin typeface="Calibri"/>
+              </a:rPr>
+              <a:t>You ship when they ship. If they ship.</a:t>
+            </a:r>
+          </a:p>
+        </p:txBody>
+      </p:sp>
+      <p:sp>
+        <p:nvSpPr>
+          <p:cNvPr id="5" name="Rounded Rectangle 4"/>
+          <p:cNvSpPr/>
+          <p:nvPr/>
+        </p:nvSpPr>
+        <p:spPr>
+          <a:xfrm>
+            <a:off x="4389120" y="2377440"/>
+            <a:ext cx="3017520" cy="2560320"/>
+          </a:xfrm>
+          <a:prstGeom prst="roundRect">
+            <a:avLst/>
+          </a:prstGeom>
+          <a:solidFill>
+            <a:srgbClr val="3A3A3A"/>
+          </a:solidFill>
+          <a:ln>
+            <a:noFill/>
+          </a:ln>
+        </p:spPr>
+        <p:style>
+          <a:lnRef idx="1">
+            <a:schemeClr val="accent1"/>
+          </a:lnRef>
+          <a:fillRef idx="3">
+            <a:schemeClr val="accent1"/>
+          </a:fillRef>
+          <a:effectRef idx="2">
+            <a:schemeClr val="accent1"/>
+          </a:effectRef>
+          <a:fontRef idx="minor">
+            <a:schemeClr val="lt1"/>
+          </a:fontRef>
+        </p:style>
+        <p:txBody>
+          <a:bodyPr wrap="square" lIns="228600" tIns="228600" rIns="228600" bIns="228600" rtlCol="0" anchor="ctr"/>
+          <a:lstStyle/>
+          <a:p>
+            <a:pPr algn="l"/>
+            <a:r>
+              <a:rPr sz="2800" b="1">
+                <a:solidFill>
+                  <a:srgbClr val="E84D3D"/>
+                </a:solidFill>
+                <a:latin typeface="Calibri"/>
+              </a:rPr>
+              <a:t>02</a:t>
+            </a:r>
+          </a:p>
+          <a:p>
+            <a:pPr algn="l">
+              <a:spcBef>
+                <a:spcPts val="1000"/>
+              </a:spcBef>
+            </a:pPr>
+            <a:r>
+              <a:rPr sz="2200" b="1">
+                <a:solidFill>
+                  <a:srgbClr val="FFFFFF"/>
+                </a:solidFill>
+                <a:latin typeface="Calibri"/>
+              </a:rPr>
+              <a:t>Throw money at it</a:t>
+            </a:r>
+          </a:p>
+          <a:p>
+            <a:pPr algn="l">
+              <a:spcBef>
+                <a:spcPts val="1200"/>
+              </a:spcBef>
+            </a:pPr>
+            <a:r>
+              <a:rPr sz="1800" b="0">
+                <a:solidFill>
+                  <a:srgbClr val="CCCCCC"/>
+                </a:solidFill>
+                <a:latin typeface="Calibri"/>
+              </a:rPr>
+              <a:t>Overpay today, repeat next generation.</a:t>
+            </a:r>
+          </a:p>
+        </p:txBody>
+      </p:sp>
+      <p:sp>
+        <p:nvSpPr>
+          <p:cNvPr id="6" name="Rounded Rectangle 5"/>
+          <p:cNvSpPr/>
+          <p:nvPr/>
+        </p:nvSpPr>
+        <p:spPr>
+          <a:xfrm>
+            <a:off x="7863840" y="2377440"/>
+            <a:ext cx="3017520" cy="2560320"/>
+          </a:xfrm>
+          <a:prstGeom prst="roundRect">
+            <a:avLst/>
+          </a:prstGeom>
+          <a:solidFill>
+            <a:srgbClr val="2A4A2A"/>
+          </a:solidFill>
+          <a:ln>
+            <a:noFill/>
+          </a:ln>
+        </p:spPr>
+        <p:style>
+          <a:lnRef idx="1">
+            <a:schemeClr val="accent1"/>
+          </a:lnRef>
+          <a:fillRef idx="3">
+            <a:schemeClr val="accent1"/>
+          </a:fillRef>
+          <a:effectRef idx="2">
+            <a:schemeClr val="accent1"/>
+          </a:effectRef>
+          <a:fontRef idx="minor">
+            <a:schemeClr val="lt1"/>
+          </a:fontRef>
+        </p:style>
+        <p:txBody>
+          <a:bodyPr wrap="square" lIns="228600" tIns="228600" rIns="228600" bIns="228600" rtlCol="0" anchor="ctr"/>
+          <a:lstStyle/>
+          <a:p>
+            <a:pPr algn="l"/>
+            <a:r>
+              <a:rPr sz="2800" b="1">
+                <a:solidFill>
+                  <a:srgbClr val="3D9BE9"/>
+                </a:solidFill>
+                <a:latin typeface="Calibri"/>
+              </a:rPr>
+              <a:t>03</a:t>
+            </a:r>
+          </a:p>
+          <a:p>
+            <a:pPr algn="l">
+              <a:spcBef>
+                <a:spcPts val="1000"/>
+              </a:spcBef>
+            </a:pPr>
+            <a:r>
+              <a:rPr sz="2200" b="1">
+                <a:solidFill>
+                  <a:srgbClr val="FFFFFF"/>
+                </a:solidFill>
+                <a:latin typeface="Calibri"/>
+              </a:rPr>
+              <a:t>Design your own compute</a:t>
+            </a:r>
+          </a:p>
+          <a:p>
+            <a:pPr algn="l">
+              <a:spcBef>
+                <a:spcPts val="1200"/>
+              </a:spcBef>
+            </a:pPr>
+            <a:r>
+              <a:rPr sz="1800" b="0">
+                <a:solidFill>
+                  <a:srgbClr val="CCCCCC"/>
+                </a:solidFill>
+                <a:latin typeface="Calibri"/>
+              </a:rPr>
+              <a:t>Match silicon to mission, own the trajectory.</a:t>
+            </a:r>
+          </a:p>
+        </p:txBody>
+      </p:sp>
+      <p:sp>
+        <p:nvSpPr>
+          <p:cNvPr id="7" name="TextBox 6"/>
           <p:cNvSpPr txBox="1"/>
           <p:nvPr/>
         </p:nvSpPr>
         <p:spPr>
           <a:xfrm>
-            <a:off x="914400" y="2926080"/>
-            <a:ext cx="4114800" cy="457200"/>
+            <a:off x="914400" y="5394960"/>
+            <a:ext cx="10058400" cy="914400"/>
           </a:xfrm>
           <a:prstGeom prst="rect">
             <a:avLst/>
@@ -3840,146 +4110,14 @@
           <a:p>
             <a:pPr algn="l"/>
             <a:r>
-              <a:rPr sz="1600" b="1">
+              <a:rPr sz="2200" b="0">
                 <a:solidFill>
                   <a:srgbClr val="888899"/>
                 </a:solidFill>
                 <a:latin typeface="Calibri"/>
               </a:rPr>
-              <a:t>INPUT</a:t>
-            </a:r>
-          </a:p>
-        </p:txBody>
-      </p:sp>
-      <p:sp>
-        <p:nvSpPr>
-          <p:cNvPr id="5" name="TextBox 4"/>
-          <p:cNvSpPr txBox="1"/>
-          <p:nvPr/>
-        </p:nvSpPr>
-        <p:spPr>
-          <a:xfrm>
-            <a:off x="914400" y="3383280"/>
-            <a:ext cx="4114800" cy="1371600"/>
-          </a:xfrm>
-          <a:prstGeom prst="rect">
-            <a:avLst/>
-          </a:prstGeom>
-          <a:noFill/>
-        </p:spPr>
-        <p:txBody>
-          <a:bodyPr wrap="square">
-            <a:spAutoFit/>
-          </a:bodyPr>
-          <a:lstStyle/>
-          <a:p>
-            <a:pPr algn="l"/>
-            <a:r>
-              <a:rPr sz="2200" b="0">
-                <a:solidFill>
-                  <a:srgbClr val="CCCCCC"/>
-                </a:solidFill>
-                <a:latin typeface="Calibri"/>
-              </a:rPr>
-              <a:t>"Delivery drone, visual SLAM +
- detection, 30fps, under 5 watts"</a:t>
-            </a:r>
-          </a:p>
-        </p:txBody>
-      </p:sp>
-      <p:sp>
-        <p:nvSpPr>
-          <p:cNvPr id="6" name="TextBox 5"/>
-          <p:cNvSpPr txBox="1"/>
-          <p:nvPr/>
-        </p:nvSpPr>
-        <p:spPr>
-          <a:xfrm>
-            <a:off x="5303520" y="3657600"/>
-            <a:ext cx="1371600" cy="914400"/>
-          </a:xfrm>
-          <a:prstGeom prst="rect">
-            <a:avLst/>
-          </a:prstGeom>
-          <a:noFill/>
-        </p:spPr>
-        <p:txBody>
-          <a:bodyPr wrap="square">
-            <a:spAutoFit/>
-          </a:bodyPr>
-          <a:lstStyle/>
-          <a:p>
-            <a:pPr algn="ctr"/>
-            <a:r>
-              <a:rPr sz="4800" b="0">
-                <a:solidFill>
-                  <a:srgbClr val="E84D3D"/>
-                </a:solidFill>
-                <a:latin typeface="Calibri"/>
-              </a:rPr>
-              <a:t>▶</a:t>
-            </a:r>
-          </a:p>
-        </p:txBody>
-      </p:sp>
-      <p:sp>
-        <p:nvSpPr>
-          <p:cNvPr id="7" name="TextBox 6"/>
-          <p:cNvSpPr txBox="1"/>
-          <p:nvPr/>
-        </p:nvSpPr>
-        <p:spPr>
-          <a:xfrm>
-            <a:off x="6858000" y="2926080"/>
-            <a:ext cx="4572000" cy="457200"/>
-          </a:xfrm>
-          <a:prstGeom prst="rect">
-            <a:avLst/>
-          </a:prstGeom>
-          <a:noFill/>
-        </p:spPr>
-        <p:txBody>
-          <a:bodyPr wrap="square">
-            <a:spAutoFit/>
-          </a:bodyPr>
-          <a:lstStyle/>
-          <a:p>
-            <a:pPr algn="l"/>
-            <a:r>
-              <a:rPr sz="1600" b="1">
-                <a:solidFill>
-                  <a:srgbClr val="888899"/>
-                </a:solidFill>
-                <a:latin typeface="Calibri"/>
-              </a:rPr>
-              <a:t>OUTPUT</a:t>
-            </a:r>
-          </a:p>
-        </p:txBody>
-      </p:sp>
-      <p:sp>
-        <p:nvSpPr>
-          <p:cNvPr id="8" name="TextBox 7"/>
-          <p:cNvSpPr txBox="1"/>
-          <p:nvPr/>
-        </p:nvSpPr>
-        <p:spPr>
-          <a:xfrm>
-            <a:off x="6858000" y="3383280"/>
-            <a:ext cx="4572000" cy="1371600"/>
-          </a:xfrm>
-          <a:prstGeom prst="rect">
-            <a:avLst/>
-          </a:prstGeom>
-          <a:noFill/>
-        </p:spPr>
-        <p:txBody>
-          <a:bodyPr wrap="square">
-            <a:spAutoFit/>
-          </a:bodyPr>
-          <a:lstStyle/>
-          <a:p>
-            <a:pPr algn="l"/>
+              <a:t>Option 3 used to take 50 engineers and 18 months.  </a:t>
+            </a:r>
             <a:r>
               <a:rPr sz="2200" b="1">
                 <a:solidFill>
@@ -3987,288 +4125,7 @@
                 </a:solidFill>
                 <a:latin typeface="Calibri"/>
               </a:rPr>
-              <a:t>Validated SoC architecture
-with synthesizable Verilog</a:t>
-            </a:r>
-          </a:p>
-        </p:txBody>
-      </p:sp>
-      <p:sp>
-        <p:nvSpPr>
-          <p:cNvPr id="9" name="TextBox 8"/>
-          <p:cNvSpPr txBox="1"/>
-          <p:nvPr/>
-        </p:nvSpPr>
-        <p:spPr>
-          <a:xfrm>
-            <a:off x="914400" y="5120640"/>
-            <a:ext cx="2560320" cy="457200"/>
-          </a:xfrm>
-          <a:prstGeom prst="rect">
-            <a:avLst/>
-          </a:prstGeom>
-          <a:noFill/>
-        </p:spPr>
-        <p:txBody>
-          <a:bodyPr wrap="square">
-            <a:spAutoFit/>
-          </a:bodyPr>
-          <a:lstStyle/>
-          <a:p>
-            <a:pPr algn="l"/>
-            <a:r>
-              <a:rPr sz="1600" b="0">
-                <a:solidFill>
-                  <a:srgbClr val="3D9BE9"/>
-                </a:solidFill>
-                <a:latin typeface="Calibri"/>
-              </a:rPr>
-              <a:t>Workload Analysis</a:t>
-            </a:r>
-          </a:p>
-        </p:txBody>
-      </p:sp>
-      <p:sp>
-        <p:nvSpPr>
-          <p:cNvPr id="10" name="TextBox 9"/>
-          <p:cNvSpPr txBox="1"/>
-          <p:nvPr/>
-        </p:nvSpPr>
-        <p:spPr>
-          <a:xfrm>
-            <a:off x="3200400" y="5074920"/>
-            <a:ext cx="457200" cy="457200"/>
-          </a:xfrm>
-          <a:prstGeom prst="rect">
-            <a:avLst/>
-          </a:prstGeom>
-          <a:noFill/>
-        </p:spPr>
-        <p:txBody>
-          <a:bodyPr wrap="square">
-            <a:spAutoFit/>
-          </a:bodyPr>
-          <a:lstStyle/>
-          <a:p>
-            <a:pPr algn="l"/>
-            <a:r>
-              <a:rPr sz="2000" b="0">
-                <a:solidFill>
-                  <a:srgbClr val="888899"/>
-                </a:solidFill>
-                <a:latin typeface="Calibri"/>
-              </a:rPr>
-              <a:t>→</a:t>
-            </a:r>
-          </a:p>
-        </p:txBody>
-      </p:sp>
-      <p:sp>
-        <p:nvSpPr>
-          <p:cNvPr id="11" name="TextBox 10"/>
-          <p:cNvSpPr txBox="1"/>
-          <p:nvPr/>
-        </p:nvSpPr>
-        <p:spPr>
-          <a:xfrm>
-            <a:off x="3657600" y="5120640"/>
-            <a:ext cx="2560320" cy="457200"/>
-          </a:xfrm>
-          <a:prstGeom prst="rect">
-            <a:avLst/>
-          </a:prstGeom>
-          <a:noFill/>
-        </p:spPr>
-        <p:txBody>
-          <a:bodyPr wrap="square">
-            <a:spAutoFit/>
-          </a:bodyPr>
-          <a:lstStyle/>
-          <a:p>
-            <a:pPr algn="l"/>
-            <a:r>
-              <a:rPr sz="1600" b="0">
-                <a:solidFill>
-                  <a:srgbClr val="3D9BE9"/>
-                </a:solidFill>
-                <a:latin typeface="Calibri"/>
-              </a:rPr>
-              <a:t>Architecture Exploration</a:t>
-            </a:r>
-          </a:p>
-        </p:txBody>
-      </p:sp>
-      <p:sp>
-        <p:nvSpPr>
-          <p:cNvPr id="12" name="TextBox 11"/>
-          <p:cNvSpPr txBox="1"/>
-          <p:nvPr/>
-        </p:nvSpPr>
-        <p:spPr>
-          <a:xfrm>
-            <a:off x="5943600" y="5074920"/>
-            <a:ext cx="457200" cy="457200"/>
-          </a:xfrm>
-          <a:prstGeom prst="rect">
-            <a:avLst/>
-          </a:prstGeom>
-          <a:noFill/>
-        </p:spPr>
-        <p:txBody>
-          <a:bodyPr wrap="square">
-            <a:spAutoFit/>
-          </a:bodyPr>
-          <a:lstStyle/>
-          <a:p>
-            <a:pPr algn="l"/>
-            <a:r>
-              <a:rPr sz="2000" b="0">
-                <a:solidFill>
-                  <a:srgbClr val="888899"/>
-                </a:solidFill>
-                <a:latin typeface="Calibri"/>
-              </a:rPr>
-              <a:t>→</a:t>
-            </a:r>
-          </a:p>
-        </p:txBody>
-      </p:sp>
-      <p:sp>
-        <p:nvSpPr>
-          <p:cNvPr id="13" name="TextBox 12"/>
-          <p:cNvSpPr txBox="1"/>
-          <p:nvPr/>
-        </p:nvSpPr>
-        <p:spPr>
-          <a:xfrm>
-            <a:off x="6400800" y="5120640"/>
-            <a:ext cx="2560320" cy="457200"/>
-          </a:xfrm>
-          <a:prstGeom prst="rect">
-            <a:avLst/>
-          </a:prstGeom>
-          <a:noFill/>
-        </p:spPr>
-        <p:txBody>
-          <a:bodyPr wrap="square">
-            <a:spAutoFit/>
-          </a:bodyPr>
-          <a:lstStyle/>
-          <a:p>
-            <a:pPr algn="l"/>
-            <a:r>
-              <a:rPr sz="1600" b="0">
-                <a:solidFill>
-                  <a:srgbClr val="3D9BE9"/>
-                </a:solidFill>
-                <a:latin typeface="Calibri"/>
-              </a:rPr>
-              <a:t>Constraint Validation</a:t>
-            </a:r>
-          </a:p>
-        </p:txBody>
-      </p:sp>
-      <p:sp>
-        <p:nvSpPr>
-          <p:cNvPr id="14" name="TextBox 13"/>
-          <p:cNvSpPr txBox="1"/>
-          <p:nvPr/>
-        </p:nvSpPr>
-        <p:spPr>
-          <a:xfrm>
-            <a:off x="8686800" y="5074920"/>
-            <a:ext cx="457200" cy="457200"/>
-          </a:xfrm>
-          <a:prstGeom prst="rect">
-            <a:avLst/>
-          </a:prstGeom>
-          <a:noFill/>
-        </p:spPr>
-        <p:txBody>
-          <a:bodyPr wrap="square">
-            <a:spAutoFit/>
-          </a:bodyPr>
-          <a:lstStyle/>
-          <a:p>
-            <a:pPr algn="l"/>
-            <a:r>
-              <a:rPr sz="2000" b="0">
-                <a:solidFill>
-                  <a:srgbClr val="888899"/>
-                </a:solidFill>
-                <a:latin typeface="Calibri"/>
-              </a:rPr>
-              <a:t>→</a:t>
-            </a:r>
-          </a:p>
-        </p:txBody>
-      </p:sp>
-      <p:sp>
-        <p:nvSpPr>
-          <p:cNvPr id="15" name="TextBox 14"/>
-          <p:cNvSpPr txBox="1"/>
-          <p:nvPr/>
-        </p:nvSpPr>
-        <p:spPr>
-          <a:xfrm>
-            <a:off x="9144000" y="5120640"/>
-            <a:ext cx="2560320" cy="457200"/>
-          </a:xfrm>
-          <a:prstGeom prst="rect">
-            <a:avLst/>
-          </a:prstGeom>
-          <a:noFill/>
-        </p:spPr>
-        <p:txBody>
-          <a:bodyPr wrap="square">
-            <a:spAutoFit/>
-          </a:bodyPr>
-          <a:lstStyle/>
-          <a:p>
-            <a:pPr algn="l"/>
-            <a:r>
-              <a:rPr sz="1600" b="0">
-                <a:solidFill>
-                  <a:srgbClr val="3D9BE9"/>
-                </a:solidFill>
-                <a:latin typeface="Calibri"/>
-              </a:rPr>
-              <a:t>RTL Generation</a:t>
-            </a:r>
-          </a:p>
-        </p:txBody>
-      </p:sp>
-      <p:sp>
-        <p:nvSpPr>
-          <p:cNvPr id="16" name="TextBox 15"/>
-          <p:cNvSpPr txBox="1"/>
-          <p:nvPr/>
-        </p:nvSpPr>
-        <p:spPr>
-          <a:xfrm>
-            <a:off x="914400" y="5852160"/>
-            <a:ext cx="10058400" cy="548640"/>
-          </a:xfrm>
-          <a:prstGeom prst="rect">
-            <a:avLst/>
-          </a:prstGeom>
-          <a:noFill/>
-        </p:spPr>
-        <p:txBody>
-          <a:bodyPr wrap="square">
-            <a:spAutoFit/>
-          </a:bodyPr>
-          <a:lstStyle/>
-          <a:p>
-            <a:pPr algn="l"/>
-            <a:r>
-              <a:rPr sz="2200" b="1">
-                <a:solidFill>
-                  <a:srgbClr val="E84D3D"/>
-                </a:solidFill>
-                <a:latin typeface="Calibri"/>
-              </a:rPr>
-              <a:t>One engineer.  One afternoon.</a:t>
+              <a:t>It doesn't anymore.</a:t>
             </a:r>
           </a:p>
         </p:txBody>
@@ -4282,7 +4139,7 @@
 </file>
 
 <file path=ppt/slides/slide4.xml><?xml version="1.0" encoding="utf-8"?>
-<p:sld xmlns:a="http://schemas.openxmlformats.org/drawingml/2006/main" xmlns:p="http://schemas.openxmlformats.org/presentationml/2006/main" xmlns:r="http://schemas.openxmlformats.org/officeDocument/2006/relationships">
+<p:sld xmlns:a="http://schemas.openxmlformats.org/drawingml/2006/main" xmlns:r="http://schemas.openxmlformats.org/officeDocument/2006/relationships" xmlns:p="http://schemas.openxmlformats.org/presentationml/2006/main">
   <p:cSld>
     <p:bg>
       <p:bgPr>
@@ -4298,7 +4155,14 @@
         <p:cNvGrpSpPr/>
         <p:nvPr/>
       </p:nvGrpSpPr>
-      <p:grpSpPr/>
+      <p:grpSpPr>
+        <a:xfrm>
+          <a:off x="0" y="0"/>
+          <a:ext cx="0" cy="0"/>
+          <a:chOff x="0" y="0"/>
+          <a:chExt cx="0" cy="0"/>
+        </a:xfrm>
+      </p:grpSpPr>
       <p:sp>
         <p:nvSpPr>
           <p:cNvPr id="2" name="TextBox 1"/>
@@ -4329,7 +4193,8 @@
                 </a:solidFill>
                 <a:latin typeface="Calibri"/>
               </a:rPr>
-              <a:t>IT WORKS TODAY</a:t>
+              <a:t>DESCRIBE THE MISSION.
+GET THE SILICON.</a:t>
             </a:r>
           </a:p>
         </p:txBody>
@@ -4342,7 +4207,7 @@
         </p:nvSpPr>
         <p:spPr>
           <a:xfrm>
-            <a:off x="914400" y="1828800"/>
+            <a:off x="914400" y="2377440"/>
             <a:ext cx="1828800" cy="38100"/>
           </a:xfrm>
           <a:prstGeom prst="rect">
@@ -4374,62 +4239,20 @@
           <a:lstStyle/>
           <a:p>
             <a:pPr algn="ctr"/>
-          </a:p>
-        </p:txBody>
-      </p:sp>
-      <p:sp>
-        <p:nvSpPr>
-          <p:cNvPr id="4" name="Rounded Rectangle 3"/>
-          <p:cNvSpPr/>
-          <p:nvPr/>
-        </p:nvSpPr>
-        <p:spPr>
-          <a:xfrm>
-            <a:off x="914400" y="2377440"/>
-            <a:ext cx="3017520" cy="2926080"/>
-          </a:xfrm>
-          <a:prstGeom prst="roundRect">
-            <a:avLst/>
-          </a:prstGeom>
-          <a:solidFill>
-            <a:srgbClr val="222B45"/>
-          </a:solidFill>
-          <a:ln>
-            <a:noFill/>
-          </a:ln>
-        </p:spPr>
-        <p:style>
-          <a:lnRef idx="1">
-            <a:schemeClr val="accent1"/>
-          </a:lnRef>
-          <a:fillRef idx="3">
-            <a:schemeClr val="accent1"/>
-          </a:fillRef>
-          <a:effectRef idx="2">
-            <a:schemeClr val="accent1"/>
-          </a:effectRef>
-          <a:fontRef idx="minor">
-            <a:schemeClr val="lt1"/>
-          </a:fontRef>
-        </p:style>
-        <p:txBody>
-          <a:bodyPr rtlCol="0" anchor="ctr"/>
-          <a:lstStyle/>
-          <a:p>
-            <a:pPr algn="ctr"/>
-          </a:p>
-        </p:txBody>
-      </p:sp>
-      <p:sp>
-        <p:nvSpPr>
-          <p:cNvPr id="5" name="TextBox 4"/>
+            <a:endParaRPr/>
+          </a:p>
+        </p:txBody>
+      </p:sp>
+      <p:sp>
+        <p:nvSpPr>
+          <p:cNvPr id="4" name="TextBox 3"/>
           <p:cNvSpPr txBox="1"/>
           <p:nvPr/>
         </p:nvSpPr>
         <p:spPr>
           <a:xfrm>
-            <a:off x="1188720" y="2651760"/>
-            <a:ext cx="2468880" cy="457200"/>
+            <a:off x="914400" y="2926080"/>
+            <a:ext cx="4114800" cy="457200"/>
           </a:xfrm>
           <a:prstGeom prst="rect">
             <a:avLst/>
@@ -4444,27 +4267,27 @@
           <a:p>
             <a:pPr algn="l"/>
             <a:r>
-              <a:rPr sz="2000" b="1">
-                <a:solidFill>
-                  <a:srgbClr val="E84D3D"/>
-                </a:solidFill>
-                <a:latin typeface="Calibri"/>
-              </a:rPr>
-              <a:t>DRONE SoC</a:t>
-            </a:r>
-          </a:p>
-        </p:txBody>
-      </p:sp>
-      <p:sp>
-        <p:nvSpPr>
-          <p:cNvPr id="6" name="TextBox 5"/>
+              <a:rPr sz="1600" b="1">
+                <a:solidFill>
+                  <a:srgbClr val="888899"/>
+                </a:solidFill>
+                <a:latin typeface="Calibri"/>
+              </a:rPr>
+              <a:t>INPUT</a:t>
+            </a:r>
+          </a:p>
+        </p:txBody>
+      </p:sp>
+      <p:sp>
+        <p:nvSpPr>
+          <p:cNvPr id="5" name="TextBox 4"/>
           <p:cNvSpPr txBox="1"/>
           <p:nvPr/>
         </p:nvSpPr>
         <p:spPr>
           <a:xfrm>
-            <a:off x="1188720" y="3291840"/>
-            <a:ext cx="2468880" cy="1097280"/>
+            <a:off x="914400" y="3383280"/>
+            <a:ext cx="4114800" cy="1371600"/>
           </a:xfrm>
           <a:prstGeom prst="rect">
             <a:avLst/>
@@ -4479,28 +4302,28 @@
           <a:p>
             <a:pPr algn="l"/>
             <a:r>
-              <a:rPr sz="2000" b="0">
-                <a:solidFill>
-                  <a:srgbClr val="FFFFFF"/>
-                </a:solidFill>
-                <a:latin typeface="Calibri"/>
-              </a:rPr>
-              <a:t>Auto-optimized to
-all-PASS constraints</a:t>
-            </a:r>
-          </a:p>
-        </p:txBody>
-      </p:sp>
-      <p:sp>
-        <p:nvSpPr>
-          <p:cNvPr id="7" name="TextBox 6"/>
+              <a:rPr sz="2200" b="0">
+                <a:solidFill>
+                  <a:srgbClr val="CCCCCC"/>
+                </a:solidFill>
+                <a:latin typeface="Calibri"/>
+              </a:rPr>
+              <a:t>"Delivery drone, visual SLAM +
+ detection, 30fps, under 5 watts"</a:t>
+            </a:r>
+          </a:p>
+        </p:txBody>
+      </p:sp>
+      <p:sp>
+        <p:nvSpPr>
+          <p:cNvPr id="6" name="TextBox 5"/>
           <p:cNvSpPr txBox="1"/>
           <p:nvPr/>
         </p:nvSpPr>
         <p:spPr>
           <a:xfrm>
-            <a:off x="1188720" y="4480560"/>
-            <a:ext cx="2468880" cy="457200"/>
+            <a:off x="5303520" y="3657600"/>
+            <a:ext cx="1371600" cy="914400"/>
           </a:xfrm>
           <a:prstGeom prst="rect">
             <a:avLst/>
@@ -4513,72 +4336,29 @@
           </a:bodyPr>
           <a:lstStyle/>
           <a:p>
-            <a:pPr algn="l"/>
-            <a:r>
-              <a:rPr sz="2800" b="1">
-                <a:solidFill>
-                  <a:srgbClr val="3D9BE9"/>
-                </a:solidFill>
-                <a:latin typeface="Calibri"/>
-              </a:rPr>
-              <a:t>1.5 sec</a:t>
-            </a:r>
-          </a:p>
-        </p:txBody>
-      </p:sp>
-      <p:sp>
-        <p:nvSpPr>
-          <p:cNvPr id="8" name="Rounded Rectangle 7"/>
-          <p:cNvSpPr/>
-          <p:nvPr/>
-        </p:nvSpPr>
-        <p:spPr>
-          <a:xfrm>
-            <a:off x="4389120" y="2377440"/>
-            <a:ext cx="3017520" cy="2926080"/>
-          </a:xfrm>
-          <a:prstGeom prst="roundRect">
-            <a:avLst/>
-          </a:prstGeom>
-          <a:solidFill>
-            <a:srgbClr val="222B45"/>
-          </a:solidFill>
-          <a:ln>
-            <a:noFill/>
-          </a:ln>
-        </p:spPr>
-        <p:style>
-          <a:lnRef idx="1">
-            <a:schemeClr val="accent1"/>
-          </a:lnRef>
-          <a:fillRef idx="3">
-            <a:schemeClr val="accent1"/>
-          </a:fillRef>
-          <a:effectRef idx="2">
-            <a:schemeClr val="accent1"/>
-          </a:effectRef>
-          <a:fontRef idx="minor">
-            <a:schemeClr val="lt1"/>
-          </a:fontRef>
-        </p:style>
-        <p:txBody>
-          <a:bodyPr rtlCol="0" anchor="ctr"/>
-          <a:lstStyle/>
-          <a:p>
             <a:pPr algn="ctr"/>
-          </a:p>
-        </p:txBody>
-      </p:sp>
-      <p:sp>
-        <p:nvSpPr>
-          <p:cNvPr id="9" name="TextBox 8"/>
+            <a:r>
+              <a:rPr sz="4800" b="0">
+                <a:solidFill>
+                  <a:srgbClr val="E84D3D"/>
+                </a:solidFill>
+                <a:latin typeface="Calibri"/>
+              </a:rPr>
+              <a:t>▶</a:t>
+            </a:r>
+          </a:p>
+        </p:txBody>
+      </p:sp>
+      <p:sp>
+        <p:nvSpPr>
+          <p:cNvPr id="7" name="TextBox 6"/>
           <p:cNvSpPr txBox="1"/>
           <p:nvPr/>
         </p:nvSpPr>
         <p:spPr>
           <a:xfrm>
-            <a:off x="4663440" y="2651760"/>
-            <a:ext cx="2468880" cy="457200"/>
+            <a:off x="6858000" y="2926080"/>
+            <a:ext cx="4572000" cy="457200"/>
           </a:xfrm>
           <a:prstGeom prst="rect">
             <a:avLst/>
@@ -4593,27 +4373,27 @@
           <a:p>
             <a:pPr algn="l"/>
             <a:r>
-              <a:rPr sz="2000" b="1">
-                <a:solidFill>
-                  <a:srgbClr val="E84D3D"/>
-                </a:solidFill>
-                <a:latin typeface="Calibri"/>
-              </a:rPr>
-              <a:t>QUADRUPED SoC</a:t>
-            </a:r>
-          </a:p>
-        </p:txBody>
-      </p:sp>
-      <p:sp>
-        <p:nvSpPr>
-          <p:cNvPr id="10" name="TextBox 9"/>
+              <a:rPr sz="1600" b="1">
+                <a:solidFill>
+                  <a:srgbClr val="888899"/>
+                </a:solidFill>
+                <a:latin typeface="Calibri"/>
+              </a:rPr>
+              <a:t>OUTPUT</a:t>
+            </a:r>
+          </a:p>
+        </p:txBody>
+      </p:sp>
+      <p:sp>
+        <p:nvSpPr>
+          <p:cNvPr id="8" name="TextBox 7"/>
           <p:cNvSpPr txBox="1"/>
           <p:nvPr/>
         </p:nvSpPr>
         <p:spPr>
           <a:xfrm>
-            <a:off x="4663440" y="3291840"/>
-            <a:ext cx="2468880" cy="1097280"/>
+            <a:off x="6858000" y="3383280"/>
+            <a:ext cx="4572000" cy="1371600"/>
           </a:xfrm>
           <a:prstGeom prst="rect">
             <a:avLst/>
@@ -4628,28 +4408,28 @@
           <a:p>
             <a:pPr algn="l"/>
             <a:r>
-              <a:rPr sz="2000" b="0">
+              <a:rPr sz="2200" b="1">
                 <a:solidFill>
                   <a:srgbClr val="FFFFFF"/>
                 </a:solidFill>
                 <a:latin typeface="Calibri"/>
               </a:rPr>
-              <a:t>4 concurrent workloads
-Pareto-ranked</a:t>
-            </a:r>
-          </a:p>
-        </p:txBody>
-      </p:sp>
-      <p:sp>
-        <p:nvSpPr>
-          <p:cNvPr id="11" name="TextBox 10"/>
+              <a:t>Validated SoC architecture
+with synthesizable Verilog</a:t>
+            </a:r>
+          </a:p>
+        </p:txBody>
+      </p:sp>
+      <p:sp>
+        <p:nvSpPr>
+          <p:cNvPr id="9" name="TextBox 8"/>
           <p:cNvSpPr txBox="1"/>
           <p:nvPr/>
         </p:nvSpPr>
         <p:spPr>
           <a:xfrm>
-            <a:off x="4663440" y="4480560"/>
-            <a:ext cx="2468880" cy="457200"/>
+            <a:off x="914400" y="5120640"/>
+            <a:ext cx="2560320" cy="457200"/>
           </a:xfrm>
           <a:prstGeom prst="rect">
             <a:avLst/>
@@ -4664,70 +4444,27 @@
           <a:p>
             <a:pPr algn="l"/>
             <a:r>
-              <a:rPr sz="2800" b="1">
+              <a:rPr sz="1600" b="0">
                 <a:solidFill>
                   <a:srgbClr val="3D9BE9"/>
                 </a:solidFill>
                 <a:latin typeface="Calibri"/>
               </a:rPr>
-              <a:t>&lt; 2 sec</a:t>
-            </a:r>
-          </a:p>
-        </p:txBody>
-      </p:sp>
-      <p:sp>
-        <p:nvSpPr>
-          <p:cNvPr id="12" name="Rounded Rectangle 11"/>
-          <p:cNvSpPr/>
-          <p:nvPr/>
-        </p:nvSpPr>
-        <p:spPr>
-          <a:xfrm>
-            <a:off x="7863840" y="2377440"/>
-            <a:ext cx="3017520" cy="2926080"/>
-          </a:xfrm>
-          <a:prstGeom prst="roundRect">
-            <a:avLst/>
-          </a:prstGeom>
-          <a:solidFill>
-            <a:srgbClr val="222B45"/>
-          </a:solidFill>
-          <a:ln>
-            <a:noFill/>
-          </a:ln>
-        </p:spPr>
-        <p:style>
-          <a:lnRef idx="1">
-            <a:schemeClr val="accent1"/>
-          </a:lnRef>
-          <a:fillRef idx="3">
-            <a:schemeClr val="accent1"/>
-          </a:fillRef>
-          <a:effectRef idx="2">
-            <a:schemeClr val="accent1"/>
-          </a:effectRef>
-          <a:fontRef idx="minor">
-            <a:schemeClr val="lt1"/>
-          </a:fontRef>
-        </p:style>
-        <p:txBody>
-          <a:bodyPr rtlCol="0" anchor="ctr"/>
-          <a:lstStyle/>
-          <a:p>
-            <a:pPr algn="ctr"/>
-          </a:p>
-        </p:txBody>
-      </p:sp>
-      <p:sp>
-        <p:nvSpPr>
-          <p:cNvPr id="13" name="TextBox 12"/>
+              <a:t>Workload Analysis</a:t>
+            </a:r>
+          </a:p>
+        </p:txBody>
+      </p:sp>
+      <p:sp>
+        <p:nvSpPr>
+          <p:cNvPr id="10" name="TextBox 9"/>
           <p:cNvSpPr txBox="1"/>
           <p:nvPr/>
         </p:nvSpPr>
         <p:spPr>
           <a:xfrm>
-            <a:off x="8138160" y="2651760"/>
-            <a:ext cx="2468880" cy="457200"/>
+            <a:off x="3200400" y="5074920"/>
+            <a:ext cx="457200" cy="457200"/>
           </a:xfrm>
           <a:prstGeom prst="rect">
             <a:avLst/>
@@ -4742,27 +4479,27 @@
           <a:p>
             <a:pPr algn="l"/>
             <a:r>
-              <a:rPr sz="2000" b="1">
-                <a:solidFill>
-                  <a:srgbClr val="E84D3D"/>
-                </a:solidFill>
-                <a:latin typeface="Calibri"/>
-              </a:rPr>
-              <a:t>RTL PIPELINE</a:t>
-            </a:r>
-          </a:p>
-        </p:txBody>
-      </p:sp>
-      <p:sp>
-        <p:nvSpPr>
-          <p:cNvPr id="14" name="TextBox 13"/>
+              <a:rPr sz="2000" b="0">
+                <a:solidFill>
+                  <a:srgbClr val="888899"/>
+                </a:solidFill>
+                <a:latin typeface="Calibri"/>
+              </a:rPr>
+              <a:t>→</a:t>
+            </a:r>
+          </a:p>
+        </p:txBody>
+      </p:sp>
+      <p:sp>
+        <p:nvSpPr>
+          <p:cNvPr id="11" name="TextBox 10"/>
           <p:cNvSpPr txBox="1"/>
           <p:nvPr/>
         </p:nvSpPr>
         <p:spPr>
           <a:xfrm>
-            <a:off x="8138160" y="3291840"/>
-            <a:ext cx="2468880" cy="1097280"/>
+            <a:off x="3657600" y="5120640"/>
+            <a:ext cx="2560320" cy="457200"/>
           </a:xfrm>
           <a:prstGeom prst="rect">
             <a:avLst/>
@@ -4777,28 +4514,27 @@
           <a:p>
             <a:pPr algn="l"/>
             <a:r>
-              <a:rPr sz="2000" b="0">
-                <a:solidFill>
-                  <a:srgbClr val="FFFFFF"/>
-                </a:solidFill>
-                <a:latin typeface="Calibri"/>
-              </a:rPr>
-              <a:t>Synthesizable Verilog
-verified with Yosys</a:t>
-            </a:r>
-          </a:p>
-        </p:txBody>
-      </p:sp>
-      <p:sp>
-        <p:nvSpPr>
-          <p:cNvPr id="15" name="TextBox 14"/>
+              <a:rPr sz="1600" b="0">
+                <a:solidFill>
+                  <a:srgbClr val="3D9BE9"/>
+                </a:solidFill>
+                <a:latin typeface="Calibri"/>
+              </a:rPr>
+              <a:t>Architecture Exploration</a:t>
+            </a:r>
+          </a:p>
+        </p:txBody>
+      </p:sp>
+      <p:sp>
+        <p:nvSpPr>
+          <p:cNvPr id="12" name="TextBox 11"/>
           <p:cNvSpPr txBox="1"/>
           <p:nvPr/>
         </p:nvSpPr>
         <p:spPr>
           <a:xfrm>
-            <a:off x="8138160" y="4480560"/>
-            <a:ext cx="2468880" cy="457200"/>
+            <a:off x="5943600" y="5074920"/>
+            <a:ext cx="457200" cy="457200"/>
           </a:xfrm>
           <a:prstGeom prst="rect">
             <a:avLst/>
@@ -4813,27 +4549,27 @@
           <a:p>
             <a:pPr algn="l"/>
             <a:r>
-              <a:rPr sz="2800" b="1">
-                <a:solidFill>
-                  <a:srgbClr val="3D9BE9"/>
-                </a:solidFill>
-                <a:latin typeface="Calibri"/>
-              </a:rPr>
-              <a:t>seconds</a:t>
-            </a:r>
-          </a:p>
-        </p:txBody>
-      </p:sp>
-      <p:sp>
-        <p:nvSpPr>
-          <p:cNvPr id="16" name="TextBox 15"/>
+              <a:rPr sz="2000" b="0">
+                <a:solidFill>
+                  <a:srgbClr val="888899"/>
+                </a:solidFill>
+                <a:latin typeface="Calibri"/>
+              </a:rPr>
+              <a:t>→</a:t>
+            </a:r>
+          </a:p>
+        </p:txBody>
+      </p:sp>
+      <p:sp>
+        <p:nvSpPr>
+          <p:cNvPr id="13" name="TextBox 12"/>
           <p:cNvSpPr txBox="1"/>
           <p:nvPr/>
         </p:nvSpPr>
         <p:spPr>
           <a:xfrm>
-            <a:off x="914400" y="5669280"/>
-            <a:ext cx="10058400" cy="548640"/>
+            <a:off x="6400800" y="5120640"/>
+            <a:ext cx="2560320" cy="457200"/>
           </a:xfrm>
           <a:prstGeom prst="rect">
             <a:avLst/>
@@ -4848,13 +4584,118 @@
           <a:p>
             <a:pPr algn="l"/>
             <a:r>
-              <a:rPr sz="1800" b="0">
+              <a:rPr sz="1600" b="0">
+                <a:solidFill>
+                  <a:srgbClr val="3D9BE9"/>
+                </a:solidFill>
+                <a:latin typeface="Calibri"/>
+              </a:rPr>
+              <a:t>Constraint Validation</a:t>
+            </a:r>
+          </a:p>
+        </p:txBody>
+      </p:sp>
+      <p:sp>
+        <p:nvSpPr>
+          <p:cNvPr id="14" name="TextBox 13"/>
+          <p:cNvSpPr txBox="1"/>
+          <p:nvPr/>
+        </p:nvSpPr>
+        <p:spPr>
+          <a:xfrm>
+            <a:off x="8686800" y="5074920"/>
+            <a:ext cx="457200" cy="457200"/>
+          </a:xfrm>
+          <a:prstGeom prst="rect">
+            <a:avLst/>
+          </a:prstGeom>
+          <a:noFill/>
+        </p:spPr>
+        <p:txBody>
+          <a:bodyPr wrap="square">
+            <a:spAutoFit/>
+          </a:bodyPr>
+          <a:lstStyle/>
+          <a:p>
+            <a:pPr algn="l"/>
+            <a:r>
+              <a:rPr sz="2000" b="0">
                 <a:solidFill>
                   <a:srgbClr val="888899"/>
                 </a:solidFill>
                 <a:latin typeface="Calibri"/>
               </a:rPr>
-              <a:t>50+ COTS platforms profiled  ·  Custom accelerator RTL  ·  No cloud dependency</a:t>
+              <a:t>→</a:t>
+            </a:r>
+          </a:p>
+        </p:txBody>
+      </p:sp>
+      <p:sp>
+        <p:nvSpPr>
+          <p:cNvPr id="15" name="TextBox 14"/>
+          <p:cNvSpPr txBox="1"/>
+          <p:nvPr/>
+        </p:nvSpPr>
+        <p:spPr>
+          <a:xfrm>
+            <a:off x="9144000" y="5120640"/>
+            <a:ext cx="2560320" cy="457200"/>
+          </a:xfrm>
+          <a:prstGeom prst="rect">
+            <a:avLst/>
+          </a:prstGeom>
+          <a:noFill/>
+        </p:spPr>
+        <p:txBody>
+          <a:bodyPr wrap="square">
+            <a:spAutoFit/>
+          </a:bodyPr>
+          <a:lstStyle/>
+          <a:p>
+            <a:pPr algn="l"/>
+            <a:r>
+              <a:rPr sz="1600" b="0">
+                <a:solidFill>
+                  <a:srgbClr val="3D9BE9"/>
+                </a:solidFill>
+                <a:latin typeface="Calibri"/>
+              </a:rPr>
+              <a:t>RTL Generation</a:t>
+            </a:r>
+          </a:p>
+        </p:txBody>
+      </p:sp>
+      <p:sp>
+        <p:nvSpPr>
+          <p:cNvPr id="16" name="TextBox 15"/>
+          <p:cNvSpPr txBox="1"/>
+          <p:nvPr/>
+        </p:nvSpPr>
+        <p:spPr>
+          <a:xfrm>
+            <a:off x="914400" y="5852160"/>
+            <a:ext cx="10058400" cy="548640"/>
+          </a:xfrm>
+          <a:prstGeom prst="rect">
+            <a:avLst/>
+          </a:prstGeom>
+          <a:noFill/>
+        </p:spPr>
+        <p:txBody>
+          <a:bodyPr wrap="square">
+            <a:spAutoFit/>
+          </a:bodyPr>
+          <a:lstStyle/>
+          <a:p>
+            <a:pPr algn="l"/>
+            <a:r>
+              <a:rPr sz="2200" b="1">
+                <a:solidFill>
+                  <a:srgbClr val="E84D3D"/>
+                </a:solidFill>
+                <a:latin typeface="Calibri"/>
+              </a:rPr>
+              <a:t>One engineer.  One afternoon.</a:t>
             </a:r>
           </a:p>
         </p:txBody>
@@ -4868,7 +4709,7 @@
 </file>
 
 <file path=ppt/slides/slide5.xml><?xml version="1.0" encoding="utf-8"?>
-<p:sld xmlns:a="http://schemas.openxmlformats.org/drawingml/2006/main" xmlns:p="http://schemas.openxmlformats.org/presentationml/2006/main" xmlns:r="http://schemas.openxmlformats.org/officeDocument/2006/relationships">
+<p:sld xmlns:a="http://schemas.openxmlformats.org/drawingml/2006/main" xmlns:r="http://schemas.openxmlformats.org/officeDocument/2006/relationships" xmlns:p="http://schemas.openxmlformats.org/presentationml/2006/main">
   <p:cSld>
     <p:bg>
       <p:bgPr>
@@ -4884,7 +4725,14 @@
         <p:cNvGrpSpPr/>
         <p:nvPr/>
       </p:nvGrpSpPr>
-      <p:grpSpPr/>
+      <p:grpSpPr>
+        <a:xfrm>
+          <a:off x="0" y="0"/>
+          <a:ext cx="0" cy="0"/>
+          <a:chOff x="0" y="0"/>
+          <a:chExt cx="0" cy="0"/>
+        </a:xfrm>
+      </p:grpSpPr>
       <p:sp>
         <p:nvSpPr>
           <p:cNvPr id="2" name="TextBox 1"/>
@@ -4915,8 +4763,7 @@
                 </a:solidFill>
                 <a:latin typeface="Calibri"/>
               </a:rPr>
-              <a:t>OWN THE COMPUTE.
-OWN THE AUTONOMY.</a:t>
+              <a:t>IT WORKS TODAY</a:t>
             </a:r>
           </a:p>
         </p:txBody>
@@ -4929,7 +4776,7 @@
         </p:nvSpPr>
         <p:spPr>
           <a:xfrm>
-            <a:off x="914400" y="2377440"/>
+            <a:off x="914400" y="1828800"/>
             <a:ext cx="1828800" cy="38100"/>
           </a:xfrm>
           <a:prstGeom prst="rect">
@@ -4961,6 +4808,7 @@
           <a:lstStyle/>
           <a:p>
             <a:pPr algn="ctr"/>
+            <a:endParaRPr/>
           </a:p>
         </p:txBody>
       </p:sp>
@@ -4972,8 +4820,8 @@
         </p:nvSpPr>
         <p:spPr>
           <a:xfrm>
-            <a:off x="914400" y="2743200"/>
-            <a:ext cx="3017520" cy="2286000"/>
+            <a:off x="914400" y="2377440"/>
+            <a:ext cx="3017520" cy="2926080"/>
           </a:xfrm>
           <a:prstGeom prst="roundRect">
             <a:avLst/>
@@ -5004,6 +4852,7 @@
           <a:lstStyle/>
           <a:p>
             <a:pPr algn="ctr"/>
+            <a:endParaRPr/>
           </a:p>
         </p:txBody>
       </p:sp>
@@ -5015,7 +4864,7 @@
         </p:nvSpPr>
         <p:spPr>
           <a:xfrm>
-            <a:off x="1188720" y="2926080"/>
+            <a:off x="1188720" y="2651760"/>
             <a:ext cx="2468880" cy="457200"/>
           </a:xfrm>
           <a:prstGeom prst="rect">
@@ -5033,11 +4882,11 @@
             <a:r>
               <a:rPr sz="2000" b="1">
                 <a:solidFill>
-                  <a:srgbClr val="3D9BE9"/>
-                </a:solidFill>
-                <a:latin typeface="Calibri"/>
-              </a:rPr>
-              <a:t>EVALUATE</a:t>
+                  <a:srgbClr val="E84D3D"/>
+                </a:solidFill>
+                <a:latin typeface="Calibri"/>
+              </a:rPr>
+              <a:t>DRONE SoC</a:t>
             </a:r>
           </a:p>
         </p:txBody>
@@ -5050,8 +4899,8 @@
         </p:nvSpPr>
         <p:spPr>
           <a:xfrm>
-            <a:off x="1188720" y="3474720"/>
-            <a:ext cx="2468880" cy="548640"/>
+            <a:off x="1188720" y="3291840"/>
+            <a:ext cx="2468880" cy="1097280"/>
           </a:xfrm>
           <a:prstGeom prst="rect">
             <a:avLst/>
@@ -5066,13 +4915,14 @@
           <a:p>
             <a:pPr algn="l"/>
             <a:r>
-              <a:rPr sz="3200" b="1">
+              <a:rPr sz="2000" b="0">
                 <a:solidFill>
                   <a:srgbClr val="FFFFFF"/>
                 </a:solidFill>
                 <a:latin typeface="Calibri"/>
               </a:rPr>
-              <a:t>2 weeks</a:t>
+              <a:t>Auto-optimized to
+all-PASS constraints</a:t>
             </a:r>
           </a:p>
         </p:txBody>
@@ -5085,8 +4935,8 @@
         </p:nvSpPr>
         <p:spPr>
           <a:xfrm>
-            <a:off x="1188720" y="4114800"/>
-            <a:ext cx="2468880" cy="914400"/>
+            <a:off x="1188720" y="4480560"/>
+            <a:ext cx="2468880" cy="457200"/>
           </a:xfrm>
           <a:prstGeom prst="rect">
             <a:avLst/>
@@ -5101,63 +4951,27 @@
           <a:p>
             <a:pPr algn="l"/>
             <a:r>
-              <a:rPr sz="1800" b="0">
-                <a:solidFill>
-                  <a:srgbClr val="CCCCCC"/>
-                </a:solidFill>
-                <a:latin typeface="Calibri"/>
-              </a:rPr>
-              <a:t>Your workloads on
-COTS + custom targets</a:t>
-            </a:r>
-          </a:p>
-        </p:txBody>
-      </p:sp>
-      <p:sp>
-        <p:nvSpPr>
-          <p:cNvPr id="8" name="TextBox 7"/>
-          <p:cNvSpPr txBox="1"/>
-          <p:nvPr/>
-        </p:nvSpPr>
-        <p:spPr>
-          <a:xfrm>
-            <a:off x="3931920" y="3566160"/>
-            <a:ext cx="457200" cy="731520"/>
-          </a:xfrm>
-          <a:prstGeom prst="rect">
-            <a:avLst/>
-          </a:prstGeom>
-          <a:noFill/>
-        </p:spPr>
-        <p:txBody>
-          <a:bodyPr wrap="square">
-            <a:spAutoFit/>
-          </a:bodyPr>
-          <a:lstStyle/>
-          <a:p>
-            <a:pPr algn="ctr"/>
-            <a:r>
-              <a:rPr sz="2800" b="0">
-                <a:solidFill>
-                  <a:srgbClr val="888899"/>
-                </a:solidFill>
-                <a:latin typeface="Calibri"/>
-              </a:rPr>
-              <a:t>▶</a:t>
-            </a:r>
-          </a:p>
-        </p:txBody>
-      </p:sp>
-      <p:sp>
-        <p:nvSpPr>
-          <p:cNvPr id="9" name="Rounded Rectangle 8"/>
+              <a:rPr sz="2800" b="1">
+                <a:solidFill>
+                  <a:srgbClr val="3D9BE9"/>
+                </a:solidFill>
+                <a:latin typeface="Calibri"/>
+              </a:rPr>
+              <a:t>1.5 sec</a:t>
+            </a:r>
+          </a:p>
+        </p:txBody>
+      </p:sp>
+      <p:sp>
+        <p:nvSpPr>
+          <p:cNvPr id="8" name="Rounded Rectangle 7"/>
           <p:cNvSpPr/>
           <p:nvPr/>
         </p:nvSpPr>
         <p:spPr>
           <a:xfrm>
-            <a:off x="4389120" y="2743200"/>
-            <a:ext cx="3017520" cy="2286000"/>
+            <a:off x="4389120" y="2377440"/>
+            <a:ext cx="3017520" cy="2926080"/>
           </a:xfrm>
           <a:prstGeom prst="roundRect">
             <a:avLst/>
@@ -5188,18 +5002,19 @@
           <a:lstStyle/>
           <a:p>
             <a:pPr algn="ctr"/>
-          </a:p>
-        </p:txBody>
-      </p:sp>
-      <p:sp>
-        <p:nvSpPr>
-          <p:cNvPr id="10" name="TextBox 9"/>
+            <a:endParaRPr/>
+          </a:p>
+        </p:txBody>
+      </p:sp>
+      <p:sp>
+        <p:nvSpPr>
+          <p:cNvPr id="9" name="TextBox 8"/>
           <p:cNvSpPr txBox="1"/>
           <p:nvPr/>
         </p:nvSpPr>
         <p:spPr>
           <a:xfrm>
-            <a:off x="4663440" y="2926080"/>
+            <a:off x="4663440" y="2651760"/>
             <a:ext cx="2468880" cy="457200"/>
           </a:xfrm>
           <a:prstGeom prst="rect">
@@ -5217,25 +5032,25 @@
             <a:r>
               <a:rPr sz="2000" b="1">
                 <a:solidFill>
-                  <a:srgbClr val="3D9BE9"/>
-                </a:solidFill>
-                <a:latin typeface="Calibri"/>
-              </a:rPr>
-              <a:t>DESIGN</a:t>
-            </a:r>
-          </a:p>
-        </p:txBody>
-      </p:sp>
-      <p:sp>
-        <p:nvSpPr>
-          <p:cNvPr id="11" name="TextBox 10"/>
+                  <a:srgbClr val="E84D3D"/>
+                </a:solidFill>
+                <a:latin typeface="Calibri"/>
+              </a:rPr>
+              <a:t>QUADRUPED SoC</a:t>
+            </a:r>
+          </a:p>
+        </p:txBody>
+      </p:sp>
+      <p:sp>
+        <p:nvSpPr>
+          <p:cNvPr id="10" name="TextBox 9"/>
           <p:cNvSpPr txBox="1"/>
           <p:nvPr/>
         </p:nvSpPr>
         <p:spPr>
           <a:xfrm>
-            <a:off x="4663440" y="3474720"/>
-            <a:ext cx="2468880" cy="548640"/>
+            <a:off x="4663440" y="3291840"/>
+            <a:ext cx="2468880" cy="1097280"/>
           </a:xfrm>
           <a:prstGeom prst="rect">
             <a:avLst/>
@@ -5250,27 +5065,28 @@
           <a:p>
             <a:pPr algn="l"/>
             <a:r>
-              <a:rPr sz="3200" b="1">
+              <a:rPr sz="2000" b="0">
                 <a:solidFill>
                   <a:srgbClr val="FFFFFF"/>
                 </a:solidFill>
                 <a:latin typeface="Calibri"/>
               </a:rPr>
-              <a:t>8 weeks</a:t>
-            </a:r>
-          </a:p>
-        </p:txBody>
-      </p:sp>
-      <p:sp>
-        <p:nvSpPr>
-          <p:cNvPr id="12" name="TextBox 11"/>
+              <a:t>4 concurrent workloads
+Pareto-ranked</a:t>
+            </a:r>
+          </a:p>
+        </p:txBody>
+      </p:sp>
+      <p:sp>
+        <p:nvSpPr>
+          <p:cNvPr id="11" name="TextBox 10"/>
           <p:cNvSpPr txBox="1"/>
           <p:nvPr/>
         </p:nvSpPr>
         <p:spPr>
           <a:xfrm>
-            <a:off x="4663440" y="4114800"/>
-            <a:ext cx="2468880" cy="914400"/>
+            <a:off x="4663440" y="4480560"/>
+            <a:ext cx="2468880" cy="457200"/>
           </a:xfrm>
           <a:prstGeom prst="rect">
             <a:avLst/>
@@ -5285,63 +5101,27 @@
           <a:p>
             <a:pPr algn="l"/>
             <a:r>
-              <a:rPr sz="1800" b="0">
-                <a:solidFill>
-                  <a:srgbClr val="CCCCCC"/>
-                </a:solidFill>
-                <a:latin typeface="Calibri"/>
-              </a:rPr>
-              <a:t>Validated SoC
-architecture with RTL</a:t>
-            </a:r>
-          </a:p>
-        </p:txBody>
-      </p:sp>
-      <p:sp>
-        <p:nvSpPr>
-          <p:cNvPr id="13" name="TextBox 12"/>
-          <p:cNvSpPr txBox="1"/>
-          <p:nvPr/>
-        </p:nvSpPr>
-        <p:spPr>
-          <a:xfrm>
-            <a:off x="7406640" y="3566160"/>
-            <a:ext cx="457200" cy="731520"/>
-          </a:xfrm>
-          <a:prstGeom prst="rect">
-            <a:avLst/>
-          </a:prstGeom>
-          <a:noFill/>
-        </p:spPr>
-        <p:txBody>
-          <a:bodyPr wrap="square">
-            <a:spAutoFit/>
-          </a:bodyPr>
-          <a:lstStyle/>
-          <a:p>
-            <a:pPr algn="ctr"/>
-            <a:r>
-              <a:rPr sz="2800" b="0">
-                <a:solidFill>
-                  <a:srgbClr val="888899"/>
-                </a:solidFill>
-                <a:latin typeface="Calibri"/>
-              </a:rPr>
-              <a:t>▶</a:t>
-            </a:r>
-          </a:p>
-        </p:txBody>
-      </p:sp>
-      <p:sp>
-        <p:nvSpPr>
-          <p:cNvPr id="14" name="Rounded Rectangle 13"/>
+              <a:rPr sz="2800" b="1">
+                <a:solidFill>
+                  <a:srgbClr val="3D9BE9"/>
+                </a:solidFill>
+                <a:latin typeface="Calibri"/>
+              </a:rPr>
+              <a:t>&lt; 2 sec</a:t>
+            </a:r>
+          </a:p>
+        </p:txBody>
+      </p:sp>
+      <p:sp>
+        <p:nvSpPr>
+          <p:cNvPr id="12" name="Rounded Rectangle 11"/>
           <p:cNvSpPr/>
           <p:nvPr/>
         </p:nvSpPr>
         <p:spPr>
           <a:xfrm>
-            <a:off x="7863840" y="2743200"/>
-            <a:ext cx="3017520" cy="2286000"/>
+            <a:off x="7863840" y="2377440"/>
+            <a:ext cx="3017520" cy="2926080"/>
           </a:xfrm>
           <a:prstGeom prst="roundRect">
             <a:avLst/>
@@ -5372,18 +5152,19 @@
           <a:lstStyle/>
           <a:p>
             <a:pPr algn="ctr"/>
-          </a:p>
-        </p:txBody>
-      </p:sp>
-      <p:sp>
-        <p:nvSpPr>
-          <p:cNvPr id="15" name="TextBox 14"/>
+            <a:endParaRPr/>
+          </a:p>
+        </p:txBody>
+      </p:sp>
+      <p:sp>
+        <p:nvSpPr>
+          <p:cNvPr id="13" name="TextBox 12"/>
           <p:cNvSpPr txBox="1"/>
           <p:nvPr/>
         </p:nvSpPr>
         <p:spPr>
           <a:xfrm>
-            <a:off x="8138160" y="2926080"/>
+            <a:off x="8138160" y="2651760"/>
             <a:ext cx="2468880" cy="457200"/>
           </a:xfrm>
           <a:prstGeom prst="rect">
@@ -5401,25 +5182,25 @@
             <a:r>
               <a:rPr sz="2000" b="1">
                 <a:solidFill>
-                  <a:srgbClr val="3D9BE9"/>
-                </a:solidFill>
-                <a:latin typeface="Calibri"/>
-              </a:rPr>
-              <a:t>VERIFY</a:t>
-            </a:r>
-          </a:p>
-        </p:txBody>
-      </p:sp>
-      <p:sp>
-        <p:nvSpPr>
-          <p:cNvPr id="16" name="TextBox 15"/>
+                  <a:srgbClr val="E84D3D"/>
+                </a:solidFill>
+                <a:latin typeface="Calibri"/>
+              </a:rPr>
+              <a:t>RTL PIPELINE</a:t>
+            </a:r>
+          </a:p>
+        </p:txBody>
+      </p:sp>
+      <p:sp>
+        <p:nvSpPr>
+          <p:cNvPr id="14" name="TextBox 13"/>
           <p:cNvSpPr txBox="1"/>
           <p:nvPr/>
         </p:nvSpPr>
         <p:spPr>
           <a:xfrm>
-            <a:off x="8138160" y="3474720"/>
-            <a:ext cx="2468880" cy="548640"/>
+            <a:off x="8138160" y="3291840"/>
+            <a:ext cx="2468880" cy="1097280"/>
           </a:xfrm>
           <a:prstGeom prst="rect">
             <a:avLst/>
@@ -5434,27 +5215,28 @@
           <a:p>
             <a:pPr algn="l"/>
             <a:r>
-              <a:rPr sz="3200" b="1">
+              <a:rPr sz="2000" b="0">
                 <a:solidFill>
                   <a:srgbClr val="FFFFFF"/>
                 </a:solidFill>
                 <a:latin typeface="Calibri"/>
               </a:rPr>
-              <a:t>12 weeks</a:t>
-            </a:r>
-          </a:p>
-        </p:txBody>
-      </p:sp>
-      <p:sp>
-        <p:nvSpPr>
-          <p:cNvPr id="17" name="TextBox 16"/>
+              <a:t>Synthesizable Verilog
+verified with Yosys</a:t>
+            </a:r>
+          </a:p>
+        </p:txBody>
+      </p:sp>
+      <p:sp>
+        <p:nvSpPr>
+          <p:cNvPr id="15" name="TextBox 14"/>
           <p:cNvSpPr txBox="1"/>
           <p:nvPr/>
         </p:nvSpPr>
         <p:spPr>
           <a:xfrm>
-            <a:off x="8138160" y="4114800"/>
-            <a:ext cx="2468880" cy="914400"/>
+            <a:off x="8138160" y="4480560"/>
+            <a:ext cx="2468880" cy="457200"/>
           </a:xfrm>
           <a:prstGeom prst="rect">
             <a:avLst/>
@@ -5469,28 +5251,27 @@
           <a:p>
             <a:pPr algn="l"/>
             <a:r>
-              <a:rPr sz="1800" b="0">
-                <a:solidFill>
-                  <a:srgbClr val="CCCCCC"/>
-                </a:solidFill>
-                <a:latin typeface="Calibri"/>
-              </a:rPr>
-              <a:t>Pre-silicon validation
-tape-out ready</a:t>
-            </a:r>
-          </a:p>
-        </p:txBody>
-      </p:sp>
-      <p:sp>
-        <p:nvSpPr>
-          <p:cNvPr id="18" name="TextBox 17"/>
+              <a:rPr sz="2800" b="1">
+                <a:solidFill>
+                  <a:srgbClr val="3D9BE9"/>
+                </a:solidFill>
+                <a:latin typeface="Calibri"/>
+              </a:rPr>
+              <a:t>seconds</a:t>
+            </a:r>
+          </a:p>
+        </p:txBody>
+      </p:sp>
+      <p:sp>
+        <p:nvSpPr>
+          <p:cNvPr id="16" name="TextBox 15"/>
           <p:cNvSpPr txBox="1"/>
           <p:nvPr/>
         </p:nvSpPr>
         <p:spPr>
           <a:xfrm>
-            <a:off x="914400" y="5486400"/>
-            <a:ext cx="10058400" cy="731520"/>
+            <a:off x="914400" y="5669280"/>
+            <a:ext cx="10058400" cy="548640"/>
           </a:xfrm>
           <a:prstGeom prst="rect">
             <a:avLst/>
@@ -5505,14 +5286,13 @@
           <a:p>
             <a:pPr algn="l"/>
             <a:r>
-              <a:rPr sz="2200" b="1">
-                <a:solidFill>
-                  <a:srgbClr val="FFFFFF"/>
-                </a:solidFill>
-                <a:latin typeface="Calibri"/>
-              </a:rPr>
-              <a:t>Next step:  2-week evaluation sprint.
-You bring models.  We bring the platform.</a:t>
+              <a:rPr sz="1800" b="0">
+                <a:solidFill>
+                  <a:srgbClr val="888899"/>
+                </a:solidFill>
+                <a:latin typeface="Calibri"/>
+              </a:rPr>
+              <a:t>50+ COTS platforms profiled  ·  Custom accelerator RTL  ·  No cloud dependency</a:t>
             </a:r>
           </a:p>
         </p:txBody>
@@ -5526,12 +5306,12 @@
 </file>
 
 <file path=ppt/slides/slide6.xml><?xml version="1.0" encoding="utf-8"?>
-<p:sld xmlns:a="http://schemas.openxmlformats.org/drawingml/2006/main" xmlns:p="http://schemas.openxmlformats.org/presentationml/2006/main" xmlns:r="http://schemas.openxmlformats.org/officeDocument/2006/relationships">
+<p:sld xmlns:a="http://schemas.openxmlformats.org/drawingml/2006/main" xmlns:r="http://schemas.openxmlformats.org/officeDocument/2006/relationships" xmlns:p="http://schemas.openxmlformats.org/presentationml/2006/main">
   <p:cSld>
     <p:bg>
       <p:bgPr>
         <a:solidFill>
-          <a:srgbClr val="2D2D2D"/>
+          <a:srgbClr val="1A1A2E"/>
         </a:solidFill>
         <a:effectLst/>
       </p:bgPr>
@@ -5542,7 +5322,14 @@
         <p:cNvGrpSpPr/>
         <p:nvPr/>
       </p:nvGrpSpPr>
-      <p:grpSpPr/>
+      <p:grpSpPr>
+        <a:xfrm>
+          <a:off x="0" y="0"/>
+          <a:ext cx="0" cy="0"/>
+          <a:chOff x="0" y="0"/>
+          <a:chExt cx="0" cy="0"/>
+        </a:xfrm>
+      </p:grpSpPr>
       <p:sp>
         <p:nvSpPr>
           <p:cNvPr id="2" name="TextBox 1"/>
@@ -5573,7 +5360,8 @@
                 </a:solidFill>
                 <a:latin typeface="Calibri"/>
               </a:rPr>
-              <a:t>YOU HAVE THREE OPTIONS</a:t>
+              <a:t>OWN THE COMPUTE.
+OWN THE AUTONOMY.</a:t>
             </a:r>
           </a:p>
         </p:txBody>
@@ -5586,7 +5374,7 @@
         </p:nvSpPr>
         <p:spPr>
           <a:xfrm>
-            <a:off x="914400" y="1828800"/>
+            <a:off x="914400" y="2377440"/>
             <a:ext cx="1828800" cy="38100"/>
           </a:xfrm>
           <a:prstGeom prst="rect">
@@ -5618,6 +5406,7 @@
           <a:lstStyle/>
           <a:p>
             <a:pPr algn="ctr"/>
+            <a:endParaRPr/>
           </a:p>
         </p:txBody>
       </p:sp>
@@ -5629,14 +5418,14 @@
         </p:nvSpPr>
         <p:spPr>
           <a:xfrm>
-            <a:off x="914400" y="2377440"/>
-            <a:ext cx="3017520" cy="2560320"/>
+            <a:off x="914400" y="2743200"/>
+            <a:ext cx="3017520" cy="2286000"/>
           </a:xfrm>
           <a:prstGeom prst="roundRect">
             <a:avLst/>
           </a:prstGeom>
           <a:solidFill>
-            <a:srgbClr val="3A3A3A"/>
+            <a:srgbClr val="222B45"/>
           </a:solidFill>
           <a:ln>
             <a:noFill/>
@@ -5657,42 +5446,107 @@
           </a:fontRef>
         </p:style>
         <p:txBody>
-          <a:bodyPr rtlCol="0" anchor="ctr" wrap="square" lIns="228600" rIns="228600" tIns="228600" bIns="228600"/>
+          <a:bodyPr rtlCol="0" anchor="ctr"/>
+          <a:lstStyle/>
+          <a:p>
+            <a:pPr algn="ctr"/>
+            <a:endParaRPr/>
+          </a:p>
+        </p:txBody>
+      </p:sp>
+      <p:sp>
+        <p:nvSpPr>
+          <p:cNvPr id="5" name="TextBox 4"/>
+          <p:cNvSpPr txBox="1"/>
+          <p:nvPr/>
+        </p:nvSpPr>
+        <p:spPr>
+          <a:xfrm>
+            <a:off x="1188720" y="2926080"/>
+            <a:ext cx="2468880" cy="457200"/>
+          </a:xfrm>
+          <a:prstGeom prst="rect">
+            <a:avLst/>
+          </a:prstGeom>
+          <a:noFill/>
+        </p:spPr>
+        <p:txBody>
+          <a:bodyPr wrap="square">
+            <a:spAutoFit/>
+          </a:bodyPr>
           <a:lstStyle/>
           <a:p>
             <a:pPr algn="l"/>
             <a:r>
-              <a:rPr sz="2800" b="1">
-                <a:solidFill>
-                  <a:srgbClr val="E84D3D"/>
-                </a:solidFill>
-                <a:latin typeface="Calibri"/>
-              </a:rPr>
-              <a:t>01</a:t>
-            </a:r>
-          </a:p>
-          <a:p>
-            <a:pPr algn="l">
-              <a:spcBef>
-                <a:spcPts val="1000"/>
-              </a:spcBef>
-            </a:pPr>
-            <a:r>
-              <a:rPr sz="2200" b="1">
+              <a:rPr sz="2000" b="1">
+                <a:solidFill>
+                  <a:srgbClr val="3D9BE9"/>
+                </a:solidFill>
+                <a:latin typeface="Calibri"/>
+              </a:rPr>
+              <a:t>EVALUATE</a:t>
+            </a:r>
+          </a:p>
+        </p:txBody>
+      </p:sp>
+      <p:sp>
+        <p:nvSpPr>
+          <p:cNvPr id="6" name="TextBox 5"/>
+          <p:cNvSpPr txBox="1"/>
+          <p:nvPr/>
+        </p:nvSpPr>
+        <p:spPr>
+          <a:xfrm>
+            <a:off x="1188720" y="3474720"/>
+            <a:ext cx="2468880" cy="548640"/>
+          </a:xfrm>
+          <a:prstGeom prst="rect">
+            <a:avLst/>
+          </a:prstGeom>
+          <a:noFill/>
+        </p:spPr>
+        <p:txBody>
+          <a:bodyPr wrap="square">
+            <a:spAutoFit/>
+          </a:bodyPr>
+          <a:lstStyle/>
+          <a:p>
+            <a:pPr algn="l"/>
+            <a:r>
+              <a:rPr sz="3200" b="1">
                 <a:solidFill>
                   <a:srgbClr val="FFFFFF"/>
                 </a:solidFill>
                 <a:latin typeface="Calibri"/>
               </a:rPr>
-              <a:t>Wait for the roadmap</a:t>
-            </a:r>
-          </a:p>
-          <a:p>
-            <a:pPr algn="l">
-              <a:spcBef>
-                <a:spcPts val="1200"/>
-              </a:spcBef>
-            </a:pPr>
+              <a:t>2 weeks</a:t>
+            </a:r>
+          </a:p>
+        </p:txBody>
+      </p:sp>
+      <p:sp>
+        <p:nvSpPr>
+          <p:cNvPr id="7" name="TextBox 6"/>
+          <p:cNvSpPr txBox="1"/>
+          <p:nvPr/>
+        </p:nvSpPr>
+        <p:spPr>
+          <a:xfrm>
+            <a:off x="1188720" y="4114800"/>
+            <a:ext cx="2468880" cy="914400"/>
+          </a:xfrm>
+          <a:prstGeom prst="rect">
+            <a:avLst/>
+          </a:prstGeom>
+          <a:noFill/>
+        </p:spPr>
+        <p:txBody>
+          <a:bodyPr wrap="square">
+            <a:spAutoFit/>
+          </a:bodyPr>
+          <a:lstStyle/>
+          <a:p>
+            <a:pPr algn="l"/>
             <a:r>
               <a:rPr sz="1800" b="0">
                 <a:solidFill>
@@ -5700,27 +5554,63 @@
                 </a:solidFill>
                 <a:latin typeface="Calibri"/>
               </a:rPr>
-              <a:t>You ship when they ship. If they ship.</a:t>
-            </a:r>
-          </a:p>
-        </p:txBody>
-      </p:sp>
-      <p:sp>
-        <p:nvSpPr>
-          <p:cNvPr id="5" name="Rounded Rectangle 4"/>
+              <a:t>Your workloads on
+COTS + custom targets</a:t>
+            </a:r>
+          </a:p>
+        </p:txBody>
+      </p:sp>
+      <p:sp>
+        <p:nvSpPr>
+          <p:cNvPr id="8" name="TextBox 7"/>
+          <p:cNvSpPr txBox="1"/>
+          <p:nvPr/>
+        </p:nvSpPr>
+        <p:spPr>
+          <a:xfrm>
+            <a:off x="3931920" y="3566160"/>
+            <a:ext cx="457200" cy="731520"/>
+          </a:xfrm>
+          <a:prstGeom prst="rect">
+            <a:avLst/>
+          </a:prstGeom>
+          <a:noFill/>
+        </p:spPr>
+        <p:txBody>
+          <a:bodyPr wrap="square">
+            <a:spAutoFit/>
+          </a:bodyPr>
+          <a:lstStyle/>
+          <a:p>
+            <a:pPr algn="ctr"/>
+            <a:r>
+              <a:rPr sz="2800" b="0">
+                <a:solidFill>
+                  <a:srgbClr val="888899"/>
+                </a:solidFill>
+                <a:latin typeface="Calibri"/>
+              </a:rPr>
+              <a:t>▶</a:t>
+            </a:r>
+          </a:p>
+        </p:txBody>
+      </p:sp>
+      <p:sp>
+        <p:nvSpPr>
+          <p:cNvPr id="9" name="Rounded Rectangle 8"/>
           <p:cNvSpPr/>
           <p:nvPr/>
         </p:nvSpPr>
         <p:spPr>
           <a:xfrm>
-            <a:off x="4389120" y="2377440"/>
-            <a:ext cx="3017520" cy="2560320"/>
+            <a:off x="4389120" y="2743200"/>
+            <a:ext cx="3017520" cy="2286000"/>
           </a:xfrm>
           <a:prstGeom prst="roundRect">
             <a:avLst/>
           </a:prstGeom>
           <a:solidFill>
-            <a:srgbClr val="3A3A3A"/>
+            <a:srgbClr val="222B45"/>
           </a:solidFill>
           <a:ln>
             <a:noFill/>
@@ -5741,42 +5631,107 @@
           </a:fontRef>
         </p:style>
         <p:txBody>
-          <a:bodyPr rtlCol="0" anchor="ctr" wrap="square" lIns="228600" rIns="228600" tIns="228600" bIns="228600"/>
+          <a:bodyPr rtlCol="0" anchor="ctr"/>
+          <a:lstStyle/>
+          <a:p>
+            <a:pPr algn="ctr"/>
+            <a:endParaRPr/>
+          </a:p>
+        </p:txBody>
+      </p:sp>
+      <p:sp>
+        <p:nvSpPr>
+          <p:cNvPr id="10" name="TextBox 9"/>
+          <p:cNvSpPr txBox="1"/>
+          <p:nvPr/>
+        </p:nvSpPr>
+        <p:spPr>
+          <a:xfrm>
+            <a:off x="4663440" y="2926080"/>
+            <a:ext cx="2468880" cy="457200"/>
+          </a:xfrm>
+          <a:prstGeom prst="rect">
+            <a:avLst/>
+          </a:prstGeom>
+          <a:noFill/>
+        </p:spPr>
+        <p:txBody>
+          <a:bodyPr wrap="square">
+            <a:spAutoFit/>
+          </a:bodyPr>
           <a:lstStyle/>
           <a:p>
             <a:pPr algn="l"/>
             <a:r>
-              <a:rPr sz="2800" b="1">
-                <a:solidFill>
-                  <a:srgbClr val="E84D3D"/>
-                </a:solidFill>
-                <a:latin typeface="Calibri"/>
-              </a:rPr>
-              <a:t>02</a:t>
-            </a:r>
-          </a:p>
-          <a:p>
-            <a:pPr algn="l">
-              <a:spcBef>
-                <a:spcPts val="1000"/>
-              </a:spcBef>
-            </a:pPr>
-            <a:r>
-              <a:rPr sz="2200" b="1">
+              <a:rPr sz="2000" b="1">
+                <a:solidFill>
+                  <a:srgbClr val="3D9BE9"/>
+                </a:solidFill>
+                <a:latin typeface="Calibri"/>
+              </a:rPr>
+              <a:t>DESIGN</a:t>
+            </a:r>
+          </a:p>
+        </p:txBody>
+      </p:sp>
+      <p:sp>
+        <p:nvSpPr>
+          <p:cNvPr id="11" name="TextBox 10"/>
+          <p:cNvSpPr txBox="1"/>
+          <p:nvPr/>
+        </p:nvSpPr>
+        <p:spPr>
+          <a:xfrm>
+            <a:off x="4663440" y="3474720"/>
+            <a:ext cx="2468880" cy="548640"/>
+          </a:xfrm>
+          <a:prstGeom prst="rect">
+            <a:avLst/>
+          </a:prstGeom>
+          <a:noFill/>
+        </p:spPr>
+        <p:txBody>
+          <a:bodyPr wrap="square">
+            <a:spAutoFit/>
+          </a:bodyPr>
+          <a:lstStyle/>
+          <a:p>
+            <a:pPr algn="l"/>
+            <a:r>
+              <a:rPr sz="3200" b="1">
                 <a:solidFill>
                   <a:srgbClr val="FFFFFF"/>
                 </a:solidFill>
                 <a:latin typeface="Calibri"/>
               </a:rPr>
-              <a:t>Throw money at it</a:t>
-            </a:r>
-          </a:p>
-          <a:p>
-            <a:pPr algn="l">
-              <a:spcBef>
-                <a:spcPts val="1200"/>
-              </a:spcBef>
-            </a:pPr>
+              <a:t>8 weeks</a:t>
+            </a:r>
+          </a:p>
+        </p:txBody>
+      </p:sp>
+      <p:sp>
+        <p:nvSpPr>
+          <p:cNvPr id="12" name="TextBox 11"/>
+          <p:cNvSpPr txBox="1"/>
+          <p:nvPr/>
+        </p:nvSpPr>
+        <p:spPr>
+          <a:xfrm>
+            <a:off x="4663440" y="4114800"/>
+            <a:ext cx="2468880" cy="914400"/>
+          </a:xfrm>
+          <a:prstGeom prst="rect">
+            <a:avLst/>
+          </a:prstGeom>
+          <a:noFill/>
+        </p:spPr>
+        <p:txBody>
+          <a:bodyPr wrap="square">
+            <a:spAutoFit/>
+          </a:bodyPr>
+          <a:lstStyle/>
+          <a:p>
+            <a:pPr algn="l"/>
             <a:r>
               <a:rPr sz="1800" b="0">
                 <a:solidFill>
@@ -5784,27 +5739,63 @@
                 </a:solidFill>
                 <a:latin typeface="Calibri"/>
               </a:rPr>
-              <a:t>Overpay today, repeat next generation.</a:t>
-            </a:r>
-          </a:p>
-        </p:txBody>
-      </p:sp>
-      <p:sp>
-        <p:nvSpPr>
-          <p:cNvPr id="6" name="Rounded Rectangle 5"/>
+              <a:t>Validated SoC
+architecture with RTL</a:t>
+            </a:r>
+          </a:p>
+        </p:txBody>
+      </p:sp>
+      <p:sp>
+        <p:nvSpPr>
+          <p:cNvPr id="13" name="TextBox 12"/>
+          <p:cNvSpPr txBox="1"/>
+          <p:nvPr/>
+        </p:nvSpPr>
+        <p:spPr>
+          <a:xfrm>
+            <a:off x="7406640" y="3566160"/>
+            <a:ext cx="457200" cy="731520"/>
+          </a:xfrm>
+          <a:prstGeom prst="rect">
+            <a:avLst/>
+          </a:prstGeom>
+          <a:noFill/>
+        </p:spPr>
+        <p:txBody>
+          <a:bodyPr wrap="square">
+            <a:spAutoFit/>
+          </a:bodyPr>
+          <a:lstStyle/>
+          <a:p>
+            <a:pPr algn="ctr"/>
+            <a:r>
+              <a:rPr sz="2800" b="0">
+                <a:solidFill>
+                  <a:srgbClr val="888899"/>
+                </a:solidFill>
+                <a:latin typeface="Calibri"/>
+              </a:rPr>
+              <a:t>▶</a:t>
+            </a:r>
+          </a:p>
+        </p:txBody>
+      </p:sp>
+      <p:sp>
+        <p:nvSpPr>
+          <p:cNvPr id="14" name="Rounded Rectangle 13"/>
           <p:cNvSpPr/>
           <p:nvPr/>
         </p:nvSpPr>
         <p:spPr>
           <a:xfrm>
-            <a:off x="7863840" y="2377440"/>
-            <a:ext cx="3017520" cy="2560320"/>
+            <a:off x="7863840" y="2743200"/>
+            <a:ext cx="3017520" cy="2286000"/>
           </a:xfrm>
           <a:prstGeom prst="roundRect">
             <a:avLst/>
           </a:prstGeom>
           <a:solidFill>
-            <a:srgbClr val="2A4A2A"/>
+            <a:srgbClr val="222B45"/>
           </a:solidFill>
           <a:ln>
             <a:noFill/>
@@ -5825,64 +5816,24 @@
           </a:fontRef>
         </p:style>
         <p:txBody>
-          <a:bodyPr rtlCol="0" anchor="ctr" wrap="square" lIns="228600" rIns="228600" tIns="228600" bIns="228600"/>
-          <a:lstStyle/>
-          <a:p>
-            <a:pPr algn="l"/>
-            <a:r>
-              <a:rPr sz="2800" b="1">
-                <a:solidFill>
-                  <a:srgbClr val="3D9BE9"/>
-                </a:solidFill>
-                <a:latin typeface="Calibri"/>
-              </a:rPr>
-              <a:t>03</a:t>
-            </a:r>
-          </a:p>
-          <a:p>
-            <a:pPr algn="l">
-              <a:spcBef>
-                <a:spcPts val="1000"/>
-              </a:spcBef>
-            </a:pPr>
-            <a:r>
-              <a:rPr sz="2200" b="1">
-                <a:solidFill>
-                  <a:srgbClr val="FFFFFF"/>
-                </a:solidFill>
-                <a:latin typeface="Calibri"/>
-              </a:rPr>
-              <a:t>Design your own compute</a:t>
-            </a:r>
-          </a:p>
-          <a:p>
-            <a:pPr algn="l">
-              <a:spcBef>
-                <a:spcPts val="1200"/>
-              </a:spcBef>
-            </a:pPr>
-            <a:r>
-              <a:rPr sz="1800" b="0">
-                <a:solidFill>
-                  <a:srgbClr val="CCCCCC"/>
-                </a:solidFill>
-                <a:latin typeface="Calibri"/>
-              </a:rPr>
-              <a:t>Match silicon to mission, own the trajectory.</a:t>
-            </a:r>
-          </a:p>
-        </p:txBody>
-      </p:sp>
-      <p:sp>
-        <p:nvSpPr>
-          <p:cNvPr id="7" name="TextBox 6"/>
+          <a:bodyPr rtlCol="0" anchor="ctr"/>
+          <a:lstStyle/>
+          <a:p>
+            <a:pPr algn="ctr"/>
+            <a:endParaRPr/>
+          </a:p>
+        </p:txBody>
+      </p:sp>
+      <p:sp>
+        <p:nvSpPr>
+          <p:cNvPr id="15" name="TextBox 14"/>
           <p:cNvSpPr txBox="1"/>
           <p:nvPr/>
         </p:nvSpPr>
         <p:spPr>
           <a:xfrm>
-            <a:off x="914400" y="5394960"/>
-            <a:ext cx="10058400" cy="914400"/>
+            <a:off x="8138160" y="2926080"/>
+            <a:ext cx="2468880" cy="457200"/>
           </a:xfrm>
           <a:prstGeom prst="rect">
             <a:avLst/>
@@ -5897,14 +5848,111 @@
           <a:p>
             <a:pPr algn="l"/>
             <a:r>
-              <a:rPr sz="2200" b="0">
-                <a:solidFill>
-                  <a:srgbClr val="888899"/>
-                </a:solidFill>
-                <a:latin typeface="Calibri"/>
-              </a:rPr>
-              <a:t>Option 3 used to take 50 engineers and 18 months.  </a:t>
-            </a:r>
+              <a:rPr sz="2000" b="1">
+                <a:solidFill>
+                  <a:srgbClr val="3D9BE9"/>
+                </a:solidFill>
+                <a:latin typeface="Calibri"/>
+              </a:rPr>
+              <a:t>VERIFY</a:t>
+            </a:r>
+          </a:p>
+        </p:txBody>
+      </p:sp>
+      <p:sp>
+        <p:nvSpPr>
+          <p:cNvPr id="16" name="TextBox 15"/>
+          <p:cNvSpPr txBox="1"/>
+          <p:nvPr/>
+        </p:nvSpPr>
+        <p:spPr>
+          <a:xfrm>
+            <a:off x="8138160" y="3474720"/>
+            <a:ext cx="2468880" cy="548640"/>
+          </a:xfrm>
+          <a:prstGeom prst="rect">
+            <a:avLst/>
+          </a:prstGeom>
+          <a:noFill/>
+        </p:spPr>
+        <p:txBody>
+          <a:bodyPr wrap="square">
+            <a:spAutoFit/>
+          </a:bodyPr>
+          <a:lstStyle/>
+          <a:p>
+            <a:pPr algn="l"/>
+            <a:r>
+              <a:rPr sz="3200" b="1">
+                <a:solidFill>
+                  <a:srgbClr val="FFFFFF"/>
+                </a:solidFill>
+                <a:latin typeface="Calibri"/>
+              </a:rPr>
+              <a:t>12 weeks</a:t>
+            </a:r>
+          </a:p>
+        </p:txBody>
+      </p:sp>
+      <p:sp>
+        <p:nvSpPr>
+          <p:cNvPr id="17" name="TextBox 16"/>
+          <p:cNvSpPr txBox="1"/>
+          <p:nvPr/>
+        </p:nvSpPr>
+        <p:spPr>
+          <a:xfrm>
+            <a:off x="8138160" y="4114800"/>
+            <a:ext cx="2468880" cy="914400"/>
+          </a:xfrm>
+          <a:prstGeom prst="rect">
+            <a:avLst/>
+          </a:prstGeom>
+          <a:noFill/>
+        </p:spPr>
+        <p:txBody>
+          <a:bodyPr wrap="square">
+            <a:spAutoFit/>
+          </a:bodyPr>
+          <a:lstStyle/>
+          <a:p>
+            <a:pPr algn="l"/>
+            <a:r>
+              <a:rPr sz="1800" b="0">
+                <a:solidFill>
+                  <a:srgbClr val="CCCCCC"/>
+                </a:solidFill>
+                <a:latin typeface="Calibri"/>
+              </a:rPr>
+              <a:t>Pre-silicon validation
+tape-out ready</a:t>
+            </a:r>
+          </a:p>
+        </p:txBody>
+      </p:sp>
+      <p:sp>
+        <p:nvSpPr>
+          <p:cNvPr id="18" name="TextBox 17"/>
+          <p:cNvSpPr txBox="1"/>
+          <p:nvPr/>
+        </p:nvSpPr>
+        <p:spPr>
+          <a:xfrm>
+            <a:off x="914400" y="5486400"/>
+            <a:ext cx="10058400" cy="731520"/>
+          </a:xfrm>
+          <a:prstGeom prst="rect">
+            <a:avLst/>
+          </a:prstGeom>
+          <a:noFill/>
+        </p:spPr>
+        <p:txBody>
+          <a:bodyPr wrap="square">
+            <a:spAutoFit/>
+          </a:bodyPr>
+          <a:lstStyle/>
+          <a:p>
+            <a:pPr algn="l"/>
             <a:r>
               <a:rPr sz="2200" b="1">
                 <a:solidFill>
@@ -5912,7 +5960,8 @@
                 </a:solidFill>
                 <a:latin typeface="Calibri"/>
               </a:rPr>
-              <a:t>It doesn't anymore.</a:t>
+              <a:t>Next step:  2-week evaluation sprint.
+You bring models.  We bring the platform.</a:t>
             </a:r>
           </a:p>
         </p:txBody>
